--- a/PresentatieAI.pptx
+++ b/PresentatieAI.pptx
@@ -5,10 +5,10 @@
     <p:sldMasterId id="2147483648" r:id="rId1"/>
   </p:sldMasterIdLst>
   <p:notesMasterIdLst>
-    <p:notesMasterId r:id="rId9"/>
+    <p:notesMasterId r:id="rId12"/>
   </p:notesMasterIdLst>
   <p:handoutMasterIdLst>
-    <p:handoutMasterId r:id="rId10"/>
+    <p:handoutMasterId r:id="rId13"/>
   </p:handoutMasterIdLst>
   <p:sldIdLst>
     <p:sldId id="266" r:id="rId2"/>
@@ -18,6 +18,9 @@
     <p:sldId id="296" r:id="rId6"/>
     <p:sldId id="297" r:id="rId7"/>
     <p:sldId id="298" r:id="rId8"/>
+    <p:sldId id="299" r:id="rId9"/>
+    <p:sldId id="301" r:id="rId10"/>
+    <p:sldId id="300" r:id="rId11"/>
   </p:sldIdLst>
   <p:sldSz cx="9144000" cy="6858000" type="screen4x3"/>
   <p:notesSz cx="6797675" cy="9926638"/>
@@ -128,6 +131,9 @@
             <p14:sldId id="296"/>
             <p14:sldId id="297"/>
             <p14:sldId id="298"/>
+            <p14:sldId id="299"/>
+            <p14:sldId id="301"/>
+            <p14:sldId id="300"/>
           </p14:sldIdLst>
         </p14:section>
       </p14:sectionLst>
@@ -248,7 +254,7 @@
             <a:fld id="{78C30D92-9D29-4B80-B01C-A254EB54E9B4}" type="datetimeFigureOut">
               <a:rPr lang="nl-BE" smtClean="0"/>
               <a:pPr/>
-              <a:t>3/01/2020</a:t>
+              <a:t>5/01/2020</a:t>
             </a:fld>
             <a:endParaRPr lang="nl-BE"/>
           </a:p>
@@ -415,7 +421,7 @@
             <a:fld id="{09E7BB96-5CC4-4FBA-B6DA-4C0FA69C8B55}" type="datetimeFigureOut">
               <a:rPr lang="nl-NL" smtClean="0"/>
               <a:pPr/>
-              <a:t>3-1-2020</a:t>
+              <a:t>5-1-2020</a:t>
             </a:fld>
             <a:endParaRPr lang="nl-NL"/>
           </a:p>
@@ -1048,7 +1054,7 @@
             <a:fld id="{8FF760A7-6202-4C5B-B798-73425609F823}" type="datetime1">
               <a:rPr lang="nl-NL" smtClean="0"/>
               <a:pPr/>
-              <a:t>3-1-2020</a:t>
+              <a:t>5-1-2020</a:t>
             </a:fld>
             <a:endParaRPr lang="nl-NL"/>
           </a:p>
@@ -1263,7 +1269,7 @@
             <a:fld id="{8FF760A7-6202-4C5B-B798-73425609F823}" type="datetime1">
               <a:rPr lang="nl-NL" smtClean="0"/>
               <a:pPr/>
-              <a:t>3-1-2020</a:t>
+              <a:t>5-1-2020</a:t>
             </a:fld>
             <a:endParaRPr lang="nl-NL"/>
           </a:p>
@@ -1716,7 +1722,7 @@
             <a:fld id="{8FF760A7-6202-4C5B-B798-73425609F823}" type="datetime1">
               <a:rPr lang="nl-NL" smtClean="0"/>
               <a:pPr/>
-              <a:t>3-1-2020</a:t>
+              <a:t>5-1-2020</a:t>
             </a:fld>
             <a:endParaRPr lang="nl-NL"/>
           </a:p>
@@ -2543,7 +2549,7 @@
             <a:fld id="{F1646035-8169-445B-99AD-38F647E173A8}" type="datetime1">
               <a:rPr lang="nl-NL" smtClean="0"/>
               <a:pPr/>
-              <a:t>3-1-2020</a:t>
+              <a:t>5-1-2020</a:t>
             </a:fld>
             <a:endParaRPr lang="nl-NL"/>
           </a:p>
@@ -2764,7 +2770,7 @@
             <a:fld id="{3700EDBC-F276-4708-BB2C-8BF9B9604881}" type="datetime1">
               <a:rPr lang="nl-NL" smtClean="0"/>
               <a:pPr/>
-              <a:t>3-1-2020</a:t>
+              <a:t>5-1-2020</a:t>
             </a:fld>
             <a:endParaRPr lang="nl-NL" dirty="0"/>
           </a:p>
@@ -3084,7 +3090,7 @@
             <a:fld id="{3EDC4772-17F8-4E3A-83E4-CBDF682CE967}" type="datetime1">
               <a:rPr lang="nl-NL" smtClean="0"/>
               <a:pPr/>
-              <a:t>3-1-2020</a:t>
+              <a:t>5-1-2020</a:t>
             </a:fld>
             <a:endParaRPr lang="nl-NL"/>
           </a:p>
@@ -3552,7 +3558,7 @@
             <a:fld id="{F898F2F8-F7C6-4601-B5D1-4C666ED97577}" type="datetime1">
               <a:rPr lang="nl-NL" smtClean="0"/>
               <a:pPr/>
-              <a:t>3-1-2020</a:t>
+              <a:t>5-1-2020</a:t>
             </a:fld>
             <a:endParaRPr lang="nl-NL"/>
           </a:p>
@@ -3704,7 +3710,7 @@
             <a:fld id="{809AF28B-E245-4898-8A0D-E2E4E58A61F0}" type="datetime1">
               <a:rPr lang="nl-NL" smtClean="0"/>
               <a:pPr/>
-              <a:t>3-1-2020</a:t>
+              <a:t>5-1-2020</a:t>
             </a:fld>
             <a:endParaRPr lang="nl-NL"/>
           </a:p>
@@ -3834,7 +3840,7 @@
             <a:fld id="{0ED09C64-F411-4FDC-96AD-EC98B445DDC5}" type="datetime1">
               <a:rPr lang="nl-NL" smtClean="0"/>
               <a:pPr/>
-              <a:t>3-1-2020</a:t>
+              <a:t>5-1-2020</a:t>
             </a:fld>
             <a:endParaRPr lang="nl-NL"/>
           </a:p>
@@ -4068,7 +4074,7 @@
             <a:fld id="{B71E2D7C-B77E-48FB-B6F1-3640447F226A}" type="datetime1">
               <a:rPr lang="nl-NL" smtClean="0"/>
               <a:pPr/>
-              <a:t>3-1-2020</a:t>
+              <a:t>5-1-2020</a:t>
             </a:fld>
             <a:endParaRPr lang="nl-NL"/>
           </a:p>
@@ -4314,7 +4320,7 @@
             <a:fld id="{D4F06C36-30E3-4EC4-970C-BDB2513E3A51}" type="datetime1">
               <a:rPr lang="nl-NL" smtClean="0"/>
               <a:pPr/>
-              <a:t>3-1-2020</a:t>
+              <a:t>5-1-2020</a:t>
             </a:fld>
             <a:endParaRPr lang="nl-NL" dirty="0"/>
           </a:p>
@@ -4819,6 +4825,418 @@
 </p:sld>
 </file>
 
+<file path=ppt/slides/slide10.xml><?xml version="1.0" encoding="utf-8"?>
+<p:sld xmlns:a="http://schemas.openxmlformats.org/drawingml/2006/main" xmlns:r="http://schemas.openxmlformats.org/officeDocument/2006/relationships" xmlns:p="http://schemas.openxmlformats.org/presentationml/2006/main">
+  <p:cSld>
+    <p:spTree>
+      <p:nvGrpSpPr>
+        <p:cNvPr id="1" name=""/>
+        <p:cNvGrpSpPr/>
+        <p:nvPr/>
+      </p:nvGrpSpPr>
+      <p:grpSpPr>
+        <a:xfrm>
+          <a:off x="0" y="0"/>
+          <a:ext cx="0" cy="0"/>
+          <a:chOff x="0" y="0"/>
+          <a:chExt cx="0" cy="0"/>
+        </a:xfrm>
+      </p:grpSpPr>
+      <p:sp>
+        <p:nvSpPr>
+          <p:cNvPr id="2" name="Titel 1">
+            <a:extLst>
+              <a:ext uri="{FF2B5EF4-FFF2-40B4-BE49-F238E27FC236}">
+                <a16:creationId xmlns:a16="http://schemas.microsoft.com/office/drawing/2014/main" id="{92E25FFA-58F7-41AE-B831-26E4B5182A67}"/>
+              </a:ext>
+            </a:extLst>
+          </p:cNvPr>
+          <p:cNvSpPr>
+            <a:spLocks noGrp="1"/>
+          </p:cNvSpPr>
+          <p:nvPr>
+            <p:ph type="title"/>
+          </p:nvPr>
+        </p:nvSpPr>
+        <p:spPr/>
+        <p:txBody>
+          <a:bodyPr/>
+          <a:lstStyle/>
+          <a:p>
+            <a:r>
+              <a:rPr lang="nl-BE" dirty="0"/>
+              <a:t>Evaluation: </a:t>
+            </a:r>
+            <a:r>
+              <a:rPr lang="nl-BE" dirty="0" err="1"/>
+              <a:t>Convolutional</a:t>
+            </a:r>
+            <a:r>
+              <a:rPr lang="nl-BE" dirty="0"/>
+              <a:t> </a:t>
+            </a:r>
+            <a:r>
+              <a:rPr lang="nl-BE" dirty="0" err="1"/>
+              <a:t>Neural</a:t>
+            </a:r>
+            <a:r>
+              <a:rPr lang="nl-BE" dirty="0"/>
+              <a:t> Network</a:t>
+            </a:r>
+          </a:p>
+        </p:txBody>
+      </p:sp>
+      <p:sp>
+        <p:nvSpPr>
+          <p:cNvPr id="4" name="Tijdelijke aanduiding voor dianummer 3">
+            <a:extLst>
+              <a:ext uri="{FF2B5EF4-FFF2-40B4-BE49-F238E27FC236}">
+                <a16:creationId xmlns:a16="http://schemas.microsoft.com/office/drawing/2014/main" id="{D91A3E37-92EA-40AD-91A8-EE628E091780}"/>
+              </a:ext>
+            </a:extLst>
+          </p:cNvPr>
+          <p:cNvSpPr>
+            <a:spLocks noGrp="1"/>
+          </p:cNvSpPr>
+          <p:nvPr>
+            <p:ph type="sldNum" sz="quarter" idx="12"/>
+          </p:nvPr>
+        </p:nvSpPr>
+        <p:spPr/>
+        <p:txBody>
+          <a:bodyPr/>
+          <a:lstStyle/>
+          <a:p>
+            <a:fld id="{3B032377-C103-4EFE-98C1-80A6E5A7472A}" type="slidenum">
+              <a:rPr lang="nl-NL" smtClean="0"/>
+              <a:pPr/>
+              <a:t>10</a:t>
+            </a:fld>
+            <a:endParaRPr lang="nl-NL"/>
+          </a:p>
+        </p:txBody>
+      </p:sp>
+      <p:sp>
+        <p:nvSpPr>
+          <p:cNvPr id="6" name="Tijdelijke aanduiding voor inhoud 2">
+            <a:extLst>
+              <a:ext uri="{FF2B5EF4-FFF2-40B4-BE49-F238E27FC236}">
+                <a16:creationId xmlns:a16="http://schemas.microsoft.com/office/drawing/2014/main" id="{ADF5A06D-9968-42DD-A9DC-AAD21D74DE85}"/>
+              </a:ext>
+            </a:extLst>
+          </p:cNvPr>
+          <p:cNvSpPr>
+            <a:spLocks noGrp="1"/>
+          </p:cNvSpPr>
+          <p:nvPr>
+            <p:ph idx="1"/>
+          </p:nvPr>
+        </p:nvSpPr>
+        <p:spPr>
+          <a:xfrm>
+            <a:off x="539552" y="1196976"/>
+            <a:ext cx="8064896" cy="4895850"/>
+          </a:xfrm>
+        </p:spPr>
+        <p:txBody>
+          <a:bodyPr>
+            <a:normAutofit fontScale="92500" lnSpcReduction="20000"/>
+          </a:bodyPr>
+          <a:lstStyle/>
+          <a:p>
+            <a:pPr marL="457200" indent="-457200">
+              <a:buFont typeface="Arial" panose="020B0604020202020204" pitchFamily="34" charset="0"/>
+              <a:buChar char="•"/>
+            </a:pPr>
+            <a:r>
+              <a:rPr lang="nl-BE" dirty="0" err="1"/>
+              <a:t>Regression</a:t>
+            </a:r>
+            <a:r>
+              <a:rPr lang="nl-BE" dirty="0"/>
+              <a:t>: waarde van board ‘voorspellen’</a:t>
+            </a:r>
+          </a:p>
+          <a:p>
+            <a:pPr marL="457200" indent="-457200">
+              <a:buFont typeface="Arial" panose="020B0604020202020204" pitchFamily="34" charset="0"/>
+              <a:buChar char="•"/>
+            </a:pPr>
+            <a:r>
+              <a:rPr lang="nl-BE" dirty="0"/>
+              <a:t>Model (trial </a:t>
+            </a:r>
+            <a:r>
+              <a:rPr lang="nl-BE" dirty="0" err="1"/>
+              <a:t>and</a:t>
+            </a:r>
+            <a:r>
+              <a:rPr lang="nl-BE" dirty="0"/>
+              <a:t> error)</a:t>
+            </a:r>
+          </a:p>
+          <a:p>
+            <a:pPr marL="1033200" lvl="2" indent="-457200">
+              <a:buFont typeface="Arial" panose="020B0604020202020204" pitchFamily="34" charset="0"/>
+              <a:buChar char="•"/>
+            </a:pPr>
+            <a:r>
+              <a:rPr lang="nl-BE" dirty="0"/>
+              <a:t>1x Conv2D (input </a:t>
+            </a:r>
+            <a:r>
+              <a:rPr lang="nl-BE" dirty="0" err="1"/>
+              <a:t>layer</a:t>
+            </a:r>
+            <a:r>
+              <a:rPr lang="nl-BE" dirty="0"/>
+              <a:t>)</a:t>
+            </a:r>
+          </a:p>
+          <a:p>
+            <a:pPr marL="1753200" lvl="4" indent="-457200">
+              <a:buFont typeface="Arial" panose="020B0604020202020204" pitchFamily="34" charset="0"/>
+              <a:buChar char="•"/>
+            </a:pPr>
+            <a:r>
+              <a:rPr lang="nl-BE" dirty="0"/>
+              <a:t>64 neurons: 2D board</a:t>
+            </a:r>
+          </a:p>
+          <a:p>
+            <a:pPr marL="1753200" lvl="4" indent="-457200">
+              <a:buFont typeface="Arial" panose="020B0604020202020204" pitchFamily="34" charset="0"/>
+              <a:buChar char="•"/>
+            </a:pPr>
+            <a:r>
+              <a:rPr lang="nl-BE" dirty="0" err="1"/>
+              <a:t>selu</a:t>
+            </a:r>
+            <a:r>
+              <a:rPr lang="nl-BE" dirty="0"/>
+              <a:t> </a:t>
+            </a:r>
+            <a:r>
+              <a:rPr lang="nl-BE" dirty="0" err="1"/>
+              <a:t>activation</a:t>
+            </a:r>
+            <a:endParaRPr lang="nl-BE" dirty="0"/>
+          </a:p>
+          <a:p>
+            <a:pPr marL="1033200" lvl="2" indent="-457200">
+              <a:buFont typeface="Arial" panose="020B0604020202020204" pitchFamily="34" charset="0"/>
+              <a:buChar char="•"/>
+            </a:pPr>
+            <a:r>
+              <a:rPr lang="nl-BE" dirty="0"/>
+              <a:t>2x Conv2D (</a:t>
+            </a:r>
+            <a:r>
+              <a:rPr lang="nl-BE" dirty="0" err="1"/>
+              <a:t>hidden</a:t>
+            </a:r>
+            <a:r>
+              <a:rPr lang="nl-BE" dirty="0"/>
+              <a:t> </a:t>
+            </a:r>
+            <a:r>
+              <a:rPr lang="nl-BE" dirty="0" err="1"/>
+              <a:t>layer</a:t>
+            </a:r>
+            <a:r>
+              <a:rPr lang="nl-BE" dirty="0"/>
+              <a:t>)</a:t>
+            </a:r>
+          </a:p>
+          <a:p>
+            <a:pPr marL="1753200" lvl="4" indent="-457200">
+              <a:buFont typeface="Arial" panose="020B0604020202020204" pitchFamily="34" charset="0"/>
+              <a:buChar char="•"/>
+            </a:pPr>
+            <a:r>
+              <a:rPr lang="nl-BE" dirty="0"/>
+              <a:t>128 neurons</a:t>
+            </a:r>
+          </a:p>
+          <a:p>
+            <a:pPr marL="1753200" lvl="4" indent="-457200">
+              <a:buFont typeface="Arial" panose="020B0604020202020204" pitchFamily="34" charset="0"/>
+              <a:buChar char="•"/>
+            </a:pPr>
+            <a:r>
+              <a:rPr lang="nl-BE" dirty="0"/>
+              <a:t>3x3 </a:t>
+            </a:r>
+            <a:r>
+              <a:rPr lang="nl-BE" dirty="0" err="1"/>
+              <a:t>kernel</a:t>
+            </a:r>
+            <a:r>
+              <a:rPr lang="nl-BE" dirty="0"/>
+              <a:t> en 2x2 </a:t>
+            </a:r>
+            <a:r>
+              <a:rPr lang="nl-BE" dirty="0" err="1"/>
+              <a:t>kernel</a:t>
+            </a:r>
+            <a:endParaRPr lang="nl-BE" dirty="0"/>
+          </a:p>
+          <a:p>
+            <a:pPr marL="1753200" lvl="4" indent="-457200">
+              <a:buFont typeface="Arial" panose="020B0604020202020204" pitchFamily="34" charset="0"/>
+              <a:buChar char="•"/>
+            </a:pPr>
+            <a:r>
+              <a:rPr lang="nl-BE" dirty="0" err="1"/>
+              <a:t>Selu</a:t>
+            </a:r>
+            <a:r>
+              <a:rPr lang="nl-BE" dirty="0"/>
+              <a:t> </a:t>
+            </a:r>
+            <a:r>
+              <a:rPr lang="nl-BE" dirty="0" err="1"/>
+              <a:t>activation</a:t>
+            </a:r>
+            <a:endParaRPr lang="nl-BE" dirty="0"/>
+          </a:p>
+          <a:p>
+            <a:pPr marL="1033200" lvl="2" indent="-457200">
+              <a:buFont typeface="Arial" panose="020B0604020202020204" pitchFamily="34" charset="0"/>
+              <a:buChar char="•"/>
+            </a:pPr>
+            <a:r>
+              <a:rPr lang="nl-BE" dirty="0"/>
+              <a:t>1x </a:t>
+            </a:r>
+            <a:r>
+              <a:rPr lang="nl-BE" dirty="0" err="1"/>
+              <a:t>Flatten</a:t>
+            </a:r>
+            <a:r>
+              <a:rPr lang="nl-BE" dirty="0"/>
+              <a:t> &amp; </a:t>
+            </a:r>
+            <a:r>
+              <a:rPr lang="nl-BE" dirty="0" err="1"/>
+              <a:t>Dense</a:t>
+            </a:r>
+            <a:r>
+              <a:rPr lang="nl-BE" dirty="0"/>
+              <a:t> (output </a:t>
+            </a:r>
+            <a:r>
+              <a:rPr lang="nl-BE" dirty="0" err="1"/>
+              <a:t>layer</a:t>
+            </a:r>
+            <a:r>
+              <a:rPr lang="nl-BE" dirty="0"/>
+              <a:t>)</a:t>
+            </a:r>
+          </a:p>
+          <a:p>
+            <a:pPr marL="1753200" lvl="4" indent="-457200">
+              <a:buFont typeface="Arial" panose="020B0604020202020204" pitchFamily="34" charset="0"/>
+              <a:buChar char="•"/>
+            </a:pPr>
+            <a:r>
+              <a:rPr lang="nl-BE" dirty="0"/>
+              <a:t>1 neuron</a:t>
+            </a:r>
+          </a:p>
+          <a:p>
+            <a:pPr marL="1753200" lvl="4" indent="-457200">
+              <a:buFont typeface="Arial" panose="020B0604020202020204" pitchFamily="34" charset="0"/>
+              <a:buChar char="•"/>
+            </a:pPr>
+            <a:r>
+              <a:rPr lang="nl-BE" dirty="0" err="1"/>
+              <a:t>linear</a:t>
+            </a:r>
+            <a:r>
+              <a:rPr lang="nl-BE" dirty="0"/>
+              <a:t> </a:t>
+            </a:r>
+            <a:r>
+              <a:rPr lang="nl-BE" dirty="0" err="1"/>
+              <a:t>activation</a:t>
+            </a:r>
+            <a:endParaRPr lang="nl-BE" dirty="0"/>
+          </a:p>
+          <a:p>
+            <a:pPr marL="457200" indent="-457200">
+              <a:buFont typeface="Arial" panose="020B0604020202020204" pitchFamily="34" charset="0"/>
+              <a:buChar char="•"/>
+            </a:pPr>
+            <a:r>
+              <a:rPr lang="nl-BE" dirty="0"/>
+              <a:t>Ook 20-30ms per board evaluatie</a:t>
+            </a:r>
+          </a:p>
+          <a:p>
+            <a:pPr marL="918900" lvl="2" indent="-342900">
+              <a:buFont typeface="Symbol" panose="05050102010706020507" pitchFamily="18" charset="2"/>
+              <a:buChar char="Þ"/>
+            </a:pPr>
+            <a:r>
+              <a:rPr lang="nl-BE" dirty="0" err="1"/>
+              <a:t>Mean</a:t>
+            </a:r>
+            <a:r>
+              <a:rPr lang="nl-BE" dirty="0"/>
+              <a:t> </a:t>
+            </a:r>
+            <a:r>
+              <a:rPr lang="nl-BE" dirty="0" err="1"/>
+              <a:t>squared</a:t>
+            </a:r>
+            <a:r>
+              <a:rPr lang="nl-BE" dirty="0"/>
+              <a:t> error minimaliseren!</a:t>
+            </a:r>
+          </a:p>
+          <a:p>
+            <a:pPr marL="918900" lvl="2" indent="-342900">
+              <a:buFont typeface="Symbol" panose="05050102010706020507" pitchFamily="18" charset="2"/>
+              <a:buChar char="Þ"/>
+            </a:pPr>
+            <a:endParaRPr lang="nl-BE" dirty="0"/>
+          </a:p>
+          <a:p>
+            <a:pPr lvl="2" indent="0">
+              <a:buNone/>
+            </a:pPr>
+            <a:endParaRPr lang="nl-BE" dirty="0"/>
+          </a:p>
+          <a:p>
+            <a:pPr marL="457200" indent="-457200">
+              <a:buFont typeface="Arial" panose="020B0604020202020204" pitchFamily="34" charset="0"/>
+              <a:buChar char="•"/>
+            </a:pPr>
+            <a:endParaRPr lang="nl-BE" dirty="0"/>
+          </a:p>
+          <a:p>
+            <a:pPr marL="457200" indent="-457200">
+              <a:buFont typeface="Arial" panose="020B0604020202020204" pitchFamily="34" charset="0"/>
+              <a:buChar char="•"/>
+            </a:pPr>
+            <a:endParaRPr lang="nl-BE" dirty="0"/>
+          </a:p>
+        </p:txBody>
+      </p:sp>
+    </p:spTree>
+    <p:extLst>
+      <p:ext uri="{BB962C8B-B14F-4D97-AF65-F5344CB8AC3E}">
+        <p14:creationId xmlns:p14="http://schemas.microsoft.com/office/powerpoint/2010/main" val="3803381045"/>
+      </p:ext>
+    </p:extLst>
+  </p:cSld>
+  <p:clrMapOvr>
+    <a:masterClrMapping/>
+  </p:clrMapOvr>
+</p:sld>
+</file>
+
 <file path=ppt/slides/slide2.xml><?xml version="1.0" encoding="utf-8"?>
 <p:sld xmlns:a="http://schemas.openxmlformats.org/drawingml/2006/main" xmlns:r="http://schemas.openxmlformats.org/officeDocument/2006/relationships" xmlns:p="http://schemas.openxmlformats.org/presentationml/2006/main">
   <p:cSld>
@@ -6210,6 +6628,690 @@
     <p:extLst>
       <p:ext uri="{BB962C8B-B14F-4D97-AF65-F5344CB8AC3E}">
         <p14:creationId xmlns:p14="http://schemas.microsoft.com/office/powerpoint/2010/main" val="3708100522"/>
+      </p:ext>
+    </p:extLst>
+  </p:cSld>
+  <p:clrMapOvr>
+    <a:masterClrMapping/>
+  </p:clrMapOvr>
+</p:sld>
+</file>
+
+<file path=ppt/slides/slide8.xml><?xml version="1.0" encoding="utf-8"?>
+<p:sld xmlns:a="http://schemas.openxmlformats.org/drawingml/2006/main" xmlns:r="http://schemas.openxmlformats.org/officeDocument/2006/relationships" xmlns:p="http://schemas.openxmlformats.org/presentationml/2006/main">
+  <p:cSld>
+    <p:spTree>
+      <p:nvGrpSpPr>
+        <p:cNvPr id="1" name=""/>
+        <p:cNvGrpSpPr/>
+        <p:nvPr/>
+      </p:nvGrpSpPr>
+      <p:grpSpPr>
+        <a:xfrm>
+          <a:off x="0" y="0"/>
+          <a:ext cx="0" cy="0"/>
+          <a:chOff x="0" y="0"/>
+          <a:chExt cx="0" cy="0"/>
+        </a:xfrm>
+      </p:grpSpPr>
+      <p:sp>
+        <p:nvSpPr>
+          <p:cNvPr id="2" name="Titel 1">
+            <a:extLst>
+              <a:ext uri="{FF2B5EF4-FFF2-40B4-BE49-F238E27FC236}">
+                <a16:creationId xmlns:a16="http://schemas.microsoft.com/office/drawing/2014/main" id="{28094252-C5A4-431C-8398-D7F0D4E30D77}"/>
+              </a:ext>
+            </a:extLst>
+          </p:cNvPr>
+          <p:cNvSpPr>
+            <a:spLocks noGrp="1"/>
+          </p:cNvSpPr>
+          <p:nvPr>
+            <p:ph type="title"/>
+          </p:nvPr>
+        </p:nvSpPr>
+        <p:spPr/>
+        <p:txBody>
+          <a:bodyPr/>
+          <a:lstStyle/>
+          <a:p>
+            <a:r>
+              <a:rPr lang="nl-BE" dirty="0"/>
+              <a:t>Evaluation: Machine Learning</a:t>
+            </a:r>
+          </a:p>
+        </p:txBody>
+      </p:sp>
+      <p:sp>
+        <p:nvSpPr>
+          <p:cNvPr id="3" name="Tijdelijke aanduiding voor inhoud 2">
+            <a:extLst>
+              <a:ext uri="{FF2B5EF4-FFF2-40B4-BE49-F238E27FC236}">
+                <a16:creationId xmlns:a16="http://schemas.microsoft.com/office/drawing/2014/main" id="{2B2A784B-56A0-478D-88F1-B2BED2686FA0}"/>
+              </a:ext>
+            </a:extLst>
+          </p:cNvPr>
+          <p:cNvSpPr>
+            <a:spLocks noGrp="1"/>
+          </p:cNvSpPr>
+          <p:nvPr>
+            <p:ph idx="1"/>
+          </p:nvPr>
+        </p:nvSpPr>
+        <p:spPr/>
+        <p:txBody>
+          <a:bodyPr>
+            <a:normAutofit fontScale="92500" lnSpcReduction="10000"/>
+          </a:bodyPr>
+          <a:lstStyle/>
+          <a:p>
+            <a:pPr marL="457200" indent="-457200">
+              <a:buFont typeface="Arial" panose="020B0604020202020204" pitchFamily="34" charset="0"/>
+              <a:buChar char="•"/>
+            </a:pPr>
+            <a:r>
+              <a:rPr lang="nl-BE" dirty="0" err="1"/>
+              <a:t>Regression</a:t>
+            </a:r>
+            <a:r>
+              <a:rPr lang="nl-BE" dirty="0"/>
+              <a:t>: waarde van board ‘voorspellen’</a:t>
+            </a:r>
+          </a:p>
+          <a:p>
+            <a:pPr marL="457200" indent="-457200">
+              <a:buFont typeface="Arial" panose="020B0604020202020204" pitchFamily="34" charset="0"/>
+              <a:buChar char="•"/>
+            </a:pPr>
+            <a:r>
+              <a:rPr lang="nl-BE" dirty="0"/>
+              <a:t>Model (trial </a:t>
+            </a:r>
+            <a:r>
+              <a:rPr lang="nl-BE" dirty="0" err="1"/>
+              <a:t>and</a:t>
+            </a:r>
+            <a:r>
+              <a:rPr lang="nl-BE" dirty="0"/>
+              <a:t> error)</a:t>
+            </a:r>
+          </a:p>
+          <a:p>
+            <a:pPr marL="1033200" lvl="2" indent="-457200">
+              <a:buFont typeface="Arial" panose="020B0604020202020204" pitchFamily="34" charset="0"/>
+              <a:buChar char="•"/>
+            </a:pPr>
+            <a:r>
+              <a:rPr lang="nl-BE" dirty="0"/>
+              <a:t>3x </a:t>
+            </a:r>
+            <a:r>
+              <a:rPr lang="nl-BE" dirty="0" err="1"/>
+              <a:t>Dense</a:t>
+            </a:r>
+            <a:r>
+              <a:rPr lang="nl-BE" dirty="0"/>
+              <a:t> (input + 2 </a:t>
+            </a:r>
+            <a:r>
+              <a:rPr lang="nl-BE" dirty="0" err="1"/>
+              <a:t>hidden</a:t>
+            </a:r>
+            <a:r>
+              <a:rPr lang="nl-BE" dirty="0"/>
+              <a:t> </a:t>
+            </a:r>
+            <a:r>
+              <a:rPr lang="nl-BE" dirty="0" err="1"/>
+              <a:t>layers</a:t>
+            </a:r>
+            <a:r>
+              <a:rPr lang="nl-BE" dirty="0"/>
+              <a:t>)</a:t>
+            </a:r>
+          </a:p>
+          <a:p>
+            <a:pPr marL="1753200" lvl="4" indent="-457200">
+              <a:buFont typeface="Arial" panose="020B0604020202020204" pitchFamily="34" charset="0"/>
+              <a:buChar char="•"/>
+            </a:pPr>
+            <a:r>
+              <a:rPr lang="nl-BE" dirty="0"/>
+              <a:t>256 neurons (slechts 64 nodig bij de input)</a:t>
+            </a:r>
+          </a:p>
+          <a:p>
+            <a:pPr marL="1753200" lvl="4" indent="-457200">
+              <a:buFont typeface="Arial" panose="020B0604020202020204" pitchFamily="34" charset="0"/>
+              <a:buChar char="•"/>
+            </a:pPr>
+            <a:r>
+              <a:rPr lang="nl-BE" dirty="0" err="1"/>
+              <a:t>selu</a:t>
+            </a:r>
+            <a:r>
+              <a:rPr lang="nl-BE" dirty="0"/>
+              <a:t> </a:t>
+            </a:r>
+            <a:r>
+              <a:rPr lang="nl-BE" dirty="0" err="1"/>
+              <a:t>activation</a:t>
+            </a:r>
+            <a:endParaRPr lang="nl-BE" dirty="0"/>
+          </a:p>
+          <a:p>
+            <a:pPr marL="1033200" lvl="2" indent="-457200">
+              <a:buFont typeface="Arial" panose="020B0604020202020204" pitchFamily="34" charset="0"/>
+              <a:buChar char="•"/>
+            </a:pPr>
+            <a:r>
+              <a:rPr lang="nl-BE" dirty="0"/>
+              <a:t>1x </a:t>
+            </a:r>
+            <a:r>
+              <a:rPr lang="nl-BE" dirty="0" err="1"/>
+              <a:t>Dense</a:t>
+            </a:r>
+            <a:r>
+              <a:rPr lang="nl-BE" dirty="0"/>
+              <a:t> (</a:t>
+            </a:r>
+            <a:r>
+              <a:rPr lang="nl-BE" dirty="0" err="1"/>
+              <a:t>hidden</a:t>
+            </a:r>
+            <a:r>
+              <a:rPr lang="nl-BE" dirty="0"/>
+              <a:t> </a:t>
+            </a:r>
+            <a:r>
+              <a:rPr lang="nl-BE" dirty="0" err="1"/>
+              <a:t>layer</a:t>
+            </a:r>
+            <a:r>
+              <a:rPr lang="nl-BE" dirty="0"/>
+              <a:t>)</a:t>
+            </a:r>
+          </a:p>
+          <a:p>
+            <a:pPr marL="1753200" lvl="4" indent="-457200">
+              <a:buFont typeface="Arial" panose="020B0604020202020204" pitchFamily="34" charset="0"/>
+              <a:buChar char="•"/>
+            </a:pPr>
+            <a:r>
+              <a:rPr lang="nl-BE" dirty="0"/>
+              <a:t>128 neurons</a:t>
+            </a:r>
+          </a:p>
+          <a:p>
+            <a:pPr marL="1753200" lvl="4" indent="-457200">
+              <a:buFont typeface="Arial" panose="020B0604020202020204" pitchFamily="34" charset="0"/>
+              <a:buChar char="•"/>
+            </a:pPr>
+            <a:r>
+              <a:rPr lang="nl-BE" dirty="0" err="1"/>
+              <a:t>selu</a:t>
+            </a:r>
+            <a:r>
+              <a:rPr lang="nl-BE" dirty="0"/>
+              <a:t> </a:t>
+            </a:r>
+            <a:r>
+              <a:rPr lang="nl-BE" dirty="0" err="1"/>
+              <a:t>activation</a:t>
+            </a:r>
+            <a:endParaRPr lang="nl-BE" dirty="0"/>
+          </a:p>
+          <a:p>
+            <a:pPr marL="1033200" lvl="2" indent="-457200">
+              <a:buFont typeface="Arial" panose="020B0604020202020204" pitchFamily="34" charset="0"/>
+              <a:buChar char="•"/>
+            </a:pPr>
+            <a:r>
+              <a:rPr lang="nl-BE" dirty="0"/>
+              <a:t>1x </a:t>
+            </a:r>
+            <a:r>
+              <a:rPr lang="nl-BE" dirty="0" err="1"/>
+              <a:t>Dense</a:t>
+            </a:r>
+            <a:r>
+              <a:rPr lang="nl-BE" dirty="0"/>
+              <a:t> (output </a:t>
+            </a:r>
+            <a:r>
+              <a:rPr lang="nl-BE" dirty="0" err="1"/>
+              <a:t>layer</a:t>
+            </a:r>
+            <a:r>
+              <a:rPr lang="nl-BE" dirty="0"/>
+              <a:t>)</a:t>
+            </a:r>
+          </a:p>
+          <a:p>
+            <a:pPr marL="1753200" lvl="4" indent="-457200">
+              <a:buFont typeface="Arial" panose="020B0604020202020204" pitchFamily="34" charset="0"/>
+              <a:buChar char="•"/>
+            </a:pPr>
+            <a:r>
+              <a:rPr lang="nl-BE" dirty="0"/>
+              <a:t>1 neuron</a:t>
+            </a:r>
+          </a:p>
+          <a:p>
+            <a:pPr marL="1753200" lvl="4" indent="-457200">
+              <a:buFont typeface="Arial" panose="020B0604020202020204" pitchFamily="34" charset="0"/>
+              <a:buChar char="•"/>
+            </a:pPr>
+            <a:r>
+              <a:rPr lang="nl-BE" dirty="0" err="1"/>
+              <a:t>linear</a:t>
+            </a:r>
+            <a:r>
+              <a:rPr lang="nl-BE" dirty="0"/>
+              <a:t> </a:t>
+            </a:r>
+            <a:r>
+              <a:rPr lang="nl-BE" dirty="0" err="1"/>
+              <a:t>activation</a:t>
+            </a:r>
+            <a:endParaRPr lang="nl-BE" dirty="0"/>
+          </a:p>
+          <a:p>
+            <a:pPr marL="457200" indent="-457200">
+              <a:buFont typeface="Arial" panose="020B0604020202020204" pitchFamily="34" charset="0"/>
+              <a:buChar char="•"/>
+            </a:pPr>
+            <a:r>
+              <a:rPr lang="nl-BE" dirty="0"/>
+              <a:t>20-30ms per board evaluatie</a:t>
+            </a:r>
+          </a:p>
+          <a:p>
+            <a:pPr marL="918900" lvl="2" indent="-342900">
+              <a:buFont typeface="Symbol" panose="05050102010706020507" pitchFamily="18" charset="2"/>
+              <a:buChar char="Þ"/>
+            </a:pPr>
+            <a:r>
+              <a:rPr lang="nl-BE" dirty="0" err="1"/>
+              <a:t>Mean</a:t>
+            </a:r>
+            <a:r>
+              <a:rPr lang="nl-BE" dirty="0"/>
+              <a:t> </a:t>
+            </a:r>
+            <a:r>
+              <a:rPr lang="nl-BE" dirty="0" err="1"/>
+              <a:t>squared</a:t>
+            </a:r>
+            <a:r>
+              <a:rPr lang="nl-BE" dirty="0"/>
+              <a:t> error minimaliseren!</a:t>
+            </a:r>
+          </a:p>
+          <a:p>
+            <a:pPr marL="918900" lvl="2" indent="-342900">
+              <a:buFont typeface="Symbol" panose="05050102010706020507" pitchFamily="18" charset="2"/>
+              <a:buChar char="Þ"/>
+            </a:pPr>
+            <a:endParaRPr lang="nl-BE" dirty="0"/>
+          </a:p>
+          <a:p>
+            <a:pPr lvl="2" indent="0">
+              <a:buNone/>
+            </a:pPr>
+            <a:endParaRPr lang="nl-BE" dirty="0"/>
+          </a:p>
+          <a:p>
+            <a:pPr marL="457200" indent="-457200">
+              <a:buFont typeface="Arial" panose="020B0604020202020204" pitchFamily="34" charset="0"/>
+              <a:buChar char="•"/>
+            </a:pPr>
+            <a:endParaRPr lang="nl-BE" dirty="0"/>
+          </a:p>
+          <a:p>
+            <a:pPr marL="457200" indent="-457200">
+              <a:buFont typeface="Arial" panose="020B0604020202020204" pitchFamily="34" charset="0"/>
+              <a:buChar char="•"/>
+            </a:pPr>
+            <a:endParaRPr lang="nl-BE" dirty="0"/>
+          </a:p>
+        </p:txBody>
+      </p:sp>
+      <p:sp>
+        <p:nvSpPr>
+          <p:cNvPr id="4" name="Tijdelijke aanduiding voor dianummer 3">
+            <a:extLst>
+              <a:ext uri="{FF2B5EF4-FFF2-40B4-BE49-F238E27FC236}">
+                <a16:creationId xmlns:a16="http://schemas.microsoft.com/office/drawing/2014/main" id="{BEE276CC-6AE5-4591-BBB3-52E00FF2939B}"/>
+              </a:ext>
+            </a:extLst>
+          </p:cNvPr>
+          <p:cNvSpPr>
+            <a:spLocks noGrp="1"/>
+          </p:cNvSpPr>
+          <p:nvPr>
+            <p:ph type="sldNum" sz="quarter" idx="12"/>
+          </p:nvPr>
+        </p:nvSpPr>
+        <p:spPr/>
+        <p:txBody>
+          <a:bodyPr/>
+          <a:lstStyle/>
+          <a:p>
+            <a:fld id="{3B032377-C103-4EFE-98C1-80A6E5A7472A}" type="slidenum">
+              <a:rPr lang="nl-NL" smtClean="0"/>
+              <a:pPr/>
+              <a:t>8</a:t>
+            </a:fld>
+            <a:endParaRPr lang="nl-NL"/>
+          </a:p>
+        </p:txBody>
+      </p:sp>
+      <p:pic>
+        <p:nvPicPr>
+          <p:cNvPr id="1028" name="Picture 4" descr="Afbeeldingsresultaat voor selu activation&quot;">
+            <a:extLst>
+              <a:ext uri="{FF2B5EF4-FFF2-40B4-BE49-F238E27FC236}">
+                <a16:creationId xmlns:a16="http://schemas.microsoft.com/office/drawing/2014/main" id="{BBA8975A-F7A1-4A01-A7A6-A48C148E3B53}"/>
+              </a:ext>
+            </a:extLst>
+          </p:cNvPr>
+          <p:cNvPicPr>
+            <a:picLocks noChangeAspect="1" noChangeArrowheads="1"/>
+          </p:cNvPicPr>
+          <p:nvPr/>
+        </p:nvPicPr>
+        <p:blipFill>
+          <a:blip r:embed="rId2" cstate="print">
+            <a:extLst>
+              <a:ext uri="{28A0092B-C50C-407E-A947-70E740481C1C}">
+                <a14:useLocalDpi xmlns:a14="http://schemas.microsoft.com/office/drawing/2010/main" val="0"/>
+              </a:ext>
+            </a:extLst>
+          </a:blip>
+          <a:srcRect/>
+          <a:stretch>
+            <a:fillRect/>
+          </a:stretch>
+        </p:blipFill>
+        <p:spPr bwMode="auto">
+          <a:xfrm>
+            <a:off x="7020272" y="1700808"/>
+            <a:ext cx="1907545" cy="1440160"/>
+          </a:xfrm>
+          <a:prstGeom prst="rect">
+            <a:avLst/>
+          </a:prstGeom>
+          <a:noFill/>
+          <a:extLst>
+            <a:ext uri="{909E8E84-426E-40DD-AFC4-6F175D3DCCD1}">
+              <a14:hiddenFill xmlns:a14="http://schemas.microsoft.com/office/drawing/2010/main">
+                <a:solidFill>
+                  <a:srgbClr val="FFFFFF"/>
+                </a:solidFill>
+              </a14:hiddenFill>
+            </a:ext>
+          </a:extLst>
+        </p:spPr>
+      </p:pic>
+    </p:spTree>
+    <p:extLst>
+      <p:ext uri="{BB962C8B-B14F-4D97-AF65-F5344CB8AC3E}">
+        <p14:creationId xmlns:p14="http://schemas.microsoft.com/office/powerpoint/2010/main" val="1660632369"/>
+      </p:ext>
+    </p:extLst>
+  </p:cSld>
+  <p:clrMapOvr>
+    <a:masterClrMapping/>
+  </p:clrMapOvr>
+</p:sld>
+</file>
+
+<file path=ppt/slides/slide9.xml><?xml version="1.0" encoding="utf-8"?>
+<p:sld xmlns:a="http://schemas.openxmlformats.org/drawingml/2006/main" xmlns:r="http://schemas.openxmlformats.org/officeDocument/2006/relationships" xmlns:p="http://schemas.openxmlformats.org/presentationml/2006/main">
+  <p:cSld>
+    <p:spTree>
+      <p:nvGrpSpPr>
+        <p:cNvPr id="1" name=""/>
+        <p:cNvGrpSpPr/>
+        <p:nvPr/>
+      </p:nvGrpSpPr>
+      <p:grpSpPr>
+        <a:xfrm>
+          <a:off x="0" y="0"/>
+          <a:ext cx="0" cy="0"/>
+          <a:chOff x="0" y="0"/>
+          <a:chExt cx="0" cy="0"/>
+        </a:xfrm>
+      </p:grpSpPr>
+      <p:sp>
+        <p:nvSpPr>
+          <p:cNvPr id="2" name="Titel 1">
+            <a:extLst>
+              <a:ext uri="{FF2B5EF4-FFF2-40B4-BE49-F238E27FC236}">
+                <a16:creationId xmlns:a16="http://schemas.microsoft.com/office/drawing/2014/main" id="{C1D90A32-DFC4-4348-BE22-D22DA94B3DDF}"/>
+              </a:ext>
+            </a:extLst>
+          </p:cNvPr>
+          <p:cNvSpPr>
+            <a:spLocks noGrp="1"/>
+          </p:cNvSpPr>
+          <p:nvPr>
+            <p:ph type="title"/>
+          </p:nvPr>
+        </p:nvSpPr>
+        <p:spPr/>
+        <p:txBody>
+          <a:bodyPr/>
+          <a:lstStyle/>
+          <a:p>
+            <a:r>
+              <a:rPr lang="nl-BE" dirty="0"/>
+              <a:t>Evaluation: Machine Learning data</a:t>
+            </a:r>
+          </a:p>
+        </p:txBody>
+      </p:sp>
+      <p:sp>
+        <p:nvSpPr>
+          <p:cNvPr id="4" name="Tijdelijke aanduiding voor dianummer 3">
+            <a:extLst>
+              <a:ext uri="{FF2B5EF4-FFF2-40B4-BE49-F238E27FC236}">
+                <a16:creationId xmlns:a16="http://schemas.microsoft.com/office/drawing/2014/main" id="{4D22679E-A3A5-4D99-A640-BF5E28A3F569}"/>
+              </a:ext>
+            </a:extLst>
+          </p:cNvPr>
+          <p:cNvSpPr>
+            <a:spLocks noGrp="1"/>
+          </p:cNvSpPr>
+          <p:nvPr>
+            <p:ph type="sldNum" sz="quarter" idx="12"/>
+          </p:nvPr>
+        </p:nvSpPr>
+        <p:spPr/>
+        <p:txBody>
+          <a:bodyPr/>
+          <a:lstStyle/>
+          <a:p>
+            <a:fld id="{3B032377-C103-4EFE-98C1-80A6E5A7472A}" type="slidenum">
+              <a:rPr lang="nl-NL" smtClean="0"/>
+              <a:pPr/>
+              <a:t>9</a:t>
+            </a:fld>
+            <a:endParaRPr lang="nl-NL"/>
+          </a:p>
+        </p:txBody>
+      </p:sp>
+      <p:sp>
+        <p:nvSpPr>
+          <p:cNvPr id="5" name="Tijdelijke aanduiding voor inhoud 2">
+            <a:extLst>
+              <a:ext uri="{FF2B5EF4-FFF2-40B4-BE49-F238E27FC236}">
+                <a16:creationId xmlns:a16="http://schemas.microsoft.com/office/drawing/2014/main" id="{4BEC9AAB-1639-4780-9C43-ED41CBB12768}"/>
+              </a:ext>
+            </a:extLst>
+          </p:cNvPr>
+          <p:cNvSpPr>
+            <a:spLocks noGrp="1"/>
+          </p:cNvSpPr>
+          <p:nvPr>
+            <p:ph idx="1"/>
+          </p:nvPr>
+        </p:nvSpPr>
+        <p:spPr>
+          <a:xfrm>
+            <a:off x="539552" y="1196976"/>
+            <a:ext cx="8064896" cy="4895850"/>
+          </a:xfrm>
+        </p:spPr>
+        <p:txBody>
+          <a:bodyPr/>
+          <a:lstStyle/>
+          <a:p>
+            <a:pPr marL="457200" indent="-457200">
+              <a:buFont typeface="Arial" panose="020B0604020202020204" pitchFamily="34" charset="0"/>
+              <a:buChar char="•"/>
+            </a:pPr>
+            <a:r>
+              <a:rPr lang="nl-BE" dirty="0"/>
+              <a:t>Data: Board &lt;-&gt; Evaluation</a:t>
+            </a:r>
+          </a:p>
+          <a:p>
+            <a:pPr marL="457200" indent="-457200">
+              <a:buFont typeface="Arial" panose="020B0604020202020204" pitchFamily="34" charset="0"/>
+              <a:buChar char="•"/>
+            </a:pPr>
+            <a:r>
+              <a:rPr lang="nl-BE" dirty="0"/>
+              <a:t>Verzamelen van data:</a:t>
+            </a:r>
+          </a:p>
+          <a:p>
+            <a:pPr marL="1033200" lvl="2" indent="-457200">
+              <a:buFont typeface="Arial" panose="020B0604020202020204" pitchFamily="34" charset="0"/>
+              <a:buChar char="•"/>
+            </a:pPr>
+            <a:r>
+              <a:rPr lang="nl-BE" dirty="0" err="1"/>
+              <a:t>Stockfish</a:t>
+            </a:r>
+            <a:r>
+              <a:rPr lang="nl-BE" dirty="0"/>
+              <a:t> </a:t>
+            </a:r>
+            <a:r>
+              <a:rPr lang="nl-BE" dirty="0" err="1"/>
+              <a:t>vs</a:t>
+            </a:r>
+            <a:r>
+              <a:rPr lang="nl-BE" dirty="0"/>
+              <a:t> </a:t>
+            </a:r>
+            <a:r>
+              <a:rPr lang="nl-BE" dirty="0" err="1"/>
+              <a:t>stockfish</a:t>
+            </a:r>
+            <a:endParaRPr lang="nl-BE" dirty="0"/>
+          </a:p>
+          <a:p>
+            <a:pPr marL="1753200" lvl="4" indent="-457200">
+              <a:buFont typeface="Arial" panose="020B0604020202020204" pitchFamily="34" charset="0"/>
+              <a:buChar char="•"/>
+            </a:pPr>
+            <a:r>
+              <a:rPr lang="nl-BE" dirty="0"/>
+              <a:t>Gelijke parameters (0.1s zoektijd) voor variatie in de data</a:t>
+            </a:r>
+          </a:p>
+          <a:p>
+            <a:pPr marL="1753200" lvl="4" indent="-457200">
+              <a:buFont typeface="Arial" panose="020B0604020202020204" pitchFamily="34" charset="0"/>
+              <a:buChar char="•"/>
+            </a:pPr>
+            <a:r>
+              <a:rPr lang="nl-BE" dirty="0"/>
+              <a:t>Na iedere zet </a:t>
+            </a:r>
+            <a:r>
+              <a:rPr lang="nl-BE" dirty="0" err="1"/>
+              <a:t>stockfish</a:t>
+            </a:r>
+            <a:r>
+              <a:rPr lang="nl-BE" dirty="0"/>
+              <a:t> een evaluatie laten doen (0.5s)</a:t>
+            </a:r>
+          </a:p>
+          <a:p>
+            <a:pPr marL="1753200" lvl="4" indent="-457200">
+              <a:buFont typeface="Arial" panose="020B0604020202020204" pitchFamily="34" charset="0"/>
+              <a:buChar char="•"/>
+            </a:pPr>
+            <a:r>
+              <a:rPr lang="nl-BE" dirty="0"/>
+              <a:t>Te vaak dezelfde evaluatie? </a:t>
+            </a:r>
+            <a:r>
+              <a:rPr lang="nl-BE" dirty="0" err="1"/>
+              <a:t>Discard</a:t>
+            </a:r>
+            <a:r>
+              <a:rPr lang="nl-BE" dirty="0"/>
+              <a:t>!</a:t>
+            </a:r>
+          </a:p>
+          <a:p>
+            <a:pPr marL="1753200" lvl="4" indent="-457200">
+              <a:buFont typeface="Arial" panose="020B0604020202020204" pitchFamily="34" charset="0"/>
+              <a:buChar char="•"/>
+            </a:pPr>
+            <a:r>
+              <a:rPr lang="nl-BE" dirty="0"/>
+              <a:t>Opslaan na iedere game</a:t>
+            </a:r>
+          </a:p>
+          <a:p>
+            <a:pPr marL="1033200" lvl="2" indent="-457200">
+              <a:buFont typeface="Arial" panose="020B0604020202020204" pitchFamily="34" charset="0"/>
+              <a:buChar char="•"/>
+            </a:pPr>
+            <a:r>
+              <a:rPr lang="nl-BE" dirty="0"/>
+              <a:t>Board </a:t>
+            </a:r>
+            <a:r>
+              <a:rPr lang="nl-BE" dirty="0" err="1"/>
+              <a:t>quantiseren</a:t>
+            </a:r>
+            <a:r>
+              <a:rPr lang="nl-BE" dirty="0"/>
+              <a:t>: stukken vervangen door hun waarde</a:t>
+            </a:r>
+          </a:p>
+          <a:p>
+            <a:pPr marL="1033200" lvl="2" indent="-457200">
+              <a:buFont typeface="Arial" panose="020B0604020202020204" pitchFamily="34" charset="0"/>
+              <a:buChar char="•"/>
+            </a:pPr>
+            <a:r>
+              <a:rPr lang="nl-BE" dirty="0"/>
+              <a:t>Value aanpassen (SF geeft #x -&gt; schaakmat in x zetten)</a:t>
+            </a:r>
+          </a:p>
+          <a:p>
+            <a:pPr marL="457200" indent="-457200">
+              <a:buFont typeface="Arial" panose="020B0604020202020204" pitchFamily="34" charset="0"/>
+              <a:buChar char="•"/>
+            </a:pPr>
+            <a:endParaRPr lang="nl-BE" dirty="0"/>
+          </a:p>
+        </p:txBody>
+      </p:sp>
+    </p:spTree>
+    <p:extLst>
+      <p:ext uri="{BB962C8B-B14F-4D97-AF65-F5344CB8AC3E}">
+        <p14:creationId xmlns:p14="http://schemas.microsoft.com/office/powerpoint/2010/main" val="3143274516"/>
       </p:ext>
     </p:extLst>
   </p:cSld>

--- a/PresentatieAI.pptx
+++ b/PresentatieAI.pptx
@@ -5,10 +5,10 @@
     <p:sldMasterId id="2147483648" r:id="rId1"/>
   </p:sldMasterIdLst>
   <p:notesMasterIdLst>
-    <p:notesMasterId r:id="rId12"/>
+    <p:notesMasterId r:id="rId13"/>
   </p:notesMasterIdLst>
   <p:handoutMasterIdLst>
-    <p:handoutMasterId r:id="rId13"/>
+    <p:handoutMasterId r:id="rId14"/>
   </p:handoutMasterIdLst>
   <p:sldIdLst>
     <p:sldId id="266" r:id="rId2"/>
@@ -18,9 +18,10 @@
     <p:sldId id="296" r:id="rId6"/>
     <p:sldId id="297" r:id="rId7"/>
     <p:sldId id="298" r:id="rId8"/>
-    <p:sldId id="299" r:id="rId9"/>
-    <p:sldId id="301" r:id="rId10"/>
-    <p:sldId id="300" r:id="rId11"/>
+    <p:sldId id="302" r:id="rId9"/>
+    <p:sldId id="299" r:id="rId10"/>
+    <p:sldId id="301" r:id="rId11"/>
+    <p:sldId id="300" r:id="rId12"/>
   </p:sldIdLst>
   <p:sldSz cx="9144000" cy="6858000" type="screen4x3"/>
   <p:notesSz cx="6797675" cy="9926638"/>
@@ -131,6 +132,7 @@
             <p14:sldId id="296"/>
             <p14:sldId id="297"/>
             <p14:sldId id="298"/>
+            <p14:sldId id="302"/>
             <p14:sldId id="299"/>
             <p14:sldId id="301"/>
             <p14:sldId id="300"/>
@@ -254,7 +256,7 @@
             <a:fld id="{78C30D92-9D29-4B80-B01C-A254EB54E9B4}" type="datetimeFigureOut">
               <a:rPr lang="nl-BE" smtClean="0"/>
               <a:pPr/>
-              <a:t>5/01/2020</a:t>
+              <a:t>6/01/2020</a:t>
             </a:fld>
             <a:endParaRPr lang="nl-BE"/>
           </a:p>
@@ -421,7 +423,7 @@
             <a:fld id="{09E7BB96-5CC4-4FBA-B6DA-4C0FA69C8B55}" type="datetimeFigureOut">
               <a:rPr lang="nl-NL" smtClean="0"/>
               <a:pPr/>
-              <a:t>5-1-2020</a:t>
+              <a:t>6-1-2020</a:t>
             </a:fld>
             <a:endParaRPr lang="nl-NL"/>
           </a:p>
@@ -1054,7 +1056,7 @@
             <a:fld id="{8FF760A7-6202-4C5B-B798-73425609F823}" type="datetime1">
               <a:rPr lang="nl-NL" smtClean="0"/>
               <a:pPr/>
-              <a:t>5-1-2020</a:t>
+              <a:t>6-1-2020</a:t>
             </a:fld>
             <a:endParaRPr lang="nl-NL"/>
           </a:p>
@@ -1269,7 +1271,7 @@
             <a:fld id="{8FF760A7-6202-4C5B-B798-73425609F823}" type="datetime1">
               <a:rPr lang="nl-NL" smtClean="0"/>
               <a:pPr/>
-              <a:t>5-1-2020</a:t>
+              <a:t>6-1-2020</a:t>
             </a:fld>
             <a:endParaRPr lang="nl-NL"/>
           </a:p>
@@ -1722,7 +1724,7 @@
             <a:fld id="{8FF760A7-6202-4C5B-B798-73425609F823}" type="datetime1">
               <a:rPr lang="nl-NL" smtClean="0"/>
               <a:pPr/>
-              <a:t>5-1-2020</a:t>
+              <a:t>6-1-2020</a:t>
             </a:fld>
             <a:endParaRPr lang="nl-NL"/>
           </a:p>
@@ -2549,7 +2551,7 @@
             <a:fld id="{F1646035-8169-445B-99AD-38F647E173A8}" type="datetime1">
               <a:rPr lang="nl-NL" smtClean="0"/>
               <a:pPr/>
-              <a:t>5-1-2020</a:t>
+              <a:t>6-1-2020</a:t>
             </a:fld>
             <a:endParaRPr lang="nl-NL"/>
           </a:p>
@@ -2770,7 +2772,7 @@
             <a:fld id="{3700EDBC-F276-4708-BB2C-8BF9B9604881}" type="datetime1">
               <a:rPr lang="nl-NL" smtClean="0"/>
               <a:pPr/>
-              <a:t>5-1-2020</a:t>
+              <a:t>6-1-2020</a:t>
             </a:fld>
             <a:endParaRPr lang="nl-NL" dirty="0"/>
           </a:p>
@@ -3090,7 +3092,7 @@
             <a:fld id="{3EDC4772-17F8-4E3A-83E4-CBDF682CE967}" type="datetime1">
               <a:rPr lang="nl-NL" smtClean="0"/>
               <a:pPr/>
-              <a:t>5-1-2020</a:t>
+              <a:t>6-1-2020</a:t>
             </a:fld>
             <a:endParaRPr lang="nl-NL"/>
           </a:p>
@@ -3558,7 +3560,7 @@
             <a:fld id="{F898F2F8-F7C6-4601-B5D1-4C666ED97577}" type="datetime1">
               <a:rPr lang="nl-NL" smtClean="0"/>
               <a:pPr/>
-              <a:t>5-1-2020</a:t>
+              <a:t>6-1-2020</a:t>
             </a:fld>
             <a:endParaRPr lang="nl-NL"/>
           </a:p>
@@ -3710,7 +3712,7 @@
             <a:fld id="{809AF28B-E245-4898-8A0D-E2E4E58A61F0}" type="datetime1">
               <a:rPr lang="nl-NL" smtClean="0"/>
               <a:pPr/>
-              <a:t>5-1-2020</a:t>
+              <a:t>6-1-2020</a:t>
             </a:fld>
             <a:endParaRPr lang="nl-NL"/>
           </a:p>
@@ -3840,7 +3842,7 @@
             <a:fld id="{0ED09C64-F411-4FDC-96AD-EC98B445DDC5}" type="datetime1">
               <a:rPr lang="nl-NL" smtClean="0"/>
               <a:pPr/>
-              <a:t>5-1-2020</a:t>
+              <a:t>6-1-2020</a:t>
             </a:fld>
             <a:endParaRPr lang="nl-NL"/>
           </a:p>
@@ -4074,7 +4076,7 @@
             <a:fld id="{B71E2D7C-B77E-48FB-B6F1-3640447F226A}" type="datetime1">
               <a:rPr lang="nl-NL" smtClean="0"/>
               <a:pPr/>
-              <a:t>5-1-2020</a:t>
+              <a:t>6-1-2020</a:t>
             </a:fld>
             <a:endParaRPr lang="nl-NL"/>
           </a:p>
@@ -4320,7 +4322,7 @@
             <a:fld id="{D4F06C36-30E3-4EC4-970C-BDB2513E3A51}" type="datetime1">
               <a:rPr lang="nl-NL" smtClean="0"/>
               <a:pPr/>
-              <a:t>5-1-2020</a:t>
+              <a:t>6-1-2020</a:t>
             </a:fld>
             <a:endParaRPr lang="nl-NL" dirty="0"/>
           </a:p>
@@ -4847,6 +4849,298 @@
           <p:cNvPr id="2" name="Titel 1">
             <a:extLst>
               <a:ext uri="{FF2B5EF4-FFF2-40B4-BE49-F238E27FC236}">
+                <a16:creationId xmlns:a16="http://schemas.microsoft.com/office/drawing/2014/main" id="{C1D90A32-DFC4-4348-BE22-D22DA94B3DDF}"/>
+              </a:ext>
+            </a:extLst>
+          </p:cNvPr>
+          <p:cNvSpPr>
+            <a:spLocks noGrp="1"/>
+          </p:cNvSpPr>
+          <p:nvPr>
+            <p:ph type="title"/>
+          </p:nvPr>
+        </p:nvSpPr>
+        <p:spPr/>
+        <p:txBody>
+          <a:bodyPr/>
+          <a:lstStyle/>
+          <a:p>
+            <a:r>
+              <a:rPr lang="nl-BE" dirty="0"/>
+              <a:t>Evaluation: Machine Learning data</a:t>
+            </a:r>
+          </a:p>
+        </p:txBody>
+      </p:sp>
+      <p:sp>
+        <p:nvSpPr>
+          <p:cNvPr id="4" name="Tijdelijke aanduiding voor dianummer 3">
+            <a:extLst>
+              <a:ext uri="{FF2B5EF4-FFF2-40B4-BE49-F238E27FC236}">
+                <a16:creationId xmlns:a16="http://schemas.microsoft.com/office/drawing/2014/main" id="{4D22679E-A3A5-4D99-A640-BF5E28A3F569}"/>
+              </a:ext>
+            </a:extLst>
+          </p:cNvPr>
+          <p:cNvSpPr>
+            <a:spLocks noGrp="1"/>
+          </p:cNvSpPr>
+          <p:nvPr>
+            <p:ph type="sldNum" sz="quarter" idx="12"/>
+          </p:nvPr>
+        </p:nvSpPr>
+        <p:spPr/>
+        <p:txBody>
+          <a:bodyPr/>
+          <a:lstStyle/>
+          <a:p>
+            <a:fld id="{3B032377-C103-4EFE-98C1-80A6E5A7472A}" type="slidenum">
+              <a:rPr lang="nl-NL" smtClean="0"/>
+              <a:pPr/>
+              <a:t>10</a:t>
+            </a:fld>
+            <a:endParaRPr lang="nl-NL"/>
+          </a:p>
+        </p:txBody>
+      </p:sp>
+      <p:sp>
+        <p:nvSpPr>
+          <p:cNvPr id="5" name="Tijdelijke aanduiding voor inhoud 2">
+            <a:extLst>
+              <a:ext uri="{FF2B5EF4-FFF2-40B4-BE49-F238E27FC236}">
+                <a16:creationId xmlns:a16="http://schemas.microsoft.com/office/drawing/2014/main" id="{4BEC9AAB-1639-4780-9C43-ED41CBB12768}"/>
+              </a:ext>
+            </a:extLst>
+          </p:cNvPr>
+          <p:cNvSpPr>
+            <a:spLocks noGrp="1"/>
+          </p:cNvSpPr>
+          <p:nvPr>
+            <p:ph idx="1"/>
+          </p:nvPr>
+        </p:nvSpPr>
+        <p:spPr>
+          <a:xfrm>
+            <a:off x="539552" y="1196976"/>
+            <a:ext cx="8064896" cy="4895850"/>
+          </a:xfrm>
+        </p:spPr>
+        <p:txBody>
+          <a:bodyPr/>
+          <a:lstStyle/>
+          <a:p>
+            <a:pPr marL="457200" indent="-457200">
+              <a:buFont typeface="Arial" panose="020B0604020202020204" pitchFamily="34" charset="0"/>
+              <a:buChar char="•"/>
+            </a:pPr>
+            <a:r>
+              <a:rPr lang="nl-BE" dirty="0"/>
+              <a:t>Data: Board &lt;-&gt; Evaluation</a:t>
+            </a:r>
+          </a:p>
+          <a:p>
+            <a:pPr marL="457200" indent="-457200">
+              <a:buFont typeface="Arial" panose="020B0604020202020204" pitchFamily="34" charset="0"/>
+              <a:buChar char="•"/>
+            </a:pPr>
+            <a:r>
+              <a:rPr lang="nl-BE" dirty="0"/>
+              <a:t>Verzamelen van data:</a:t>
+            </a:r>
+          </a:p>
+          <a:p>
+            <a:pPr marL="1033200" lvl="2" indent="-457200">
+              <a:buFont typeface="Arial" panose="020B0604020202020204" pitchFamily="34" charset="0"/>
+              <a:buChar char="•"/>
+            </a:pPr>
+            <a:r>
+              <a:rPr lang="nl-BE" dirty="0" err="1"/>
+              <a:t>Stockfish</a:t>
+            </a:r>
+            <a:r>
+              <a:rPr lang="nl-BE" dirty="0"/>
+              <a:t> </a:t>
+            </a:r>
+            <a:r>
+              <a:rPr lang="nl-BE" dirty="0" err="1"/>
+              <a:t>vs</a:t>
+            </a:r>
+            <a:r>
+              <a:rPr lang="nl-BE" dirty="0"/>
+              <a:t> </a:t>
+            </a:r>
+            <a:r>
+              <a:rPr lang="nl-BE" dirty="0" err="1"/>
+              <a:t>stockfish</a:t>
+            </a:r>
+            <a:endParaRPr lang="nl-BE" dirty="0"/>
+          </a:p>
+          <a:p>
+            <a:pPr marL="1753200" lvl="4" indent="-457200">
+              <a:buFont typeface="Arial" panose="020B0604020202020204" pitchFamily="34" charset="0"/>
+              <a:buChar char="•"/>
+            </a:pPr>
+            <a:r>
+              <a:rPr lang="nl-BE" dirty="0"/>
+              <a:t>Gelijke parameters (0.1s zoektijd) voor variatie in de data</a:t>
+            </a:r>
+          </a:p>
+          <a:p>
+            <a:pPr marL="1753200" lvl="4" indent="-457200">
+              <a:buFont typeface="Arial" panose="020B0604020202020204" pitchFamily="34" charset="0"/>
+              <a:buChar char="•"/>
+            </a:pPr>
+            <a:r>
+              <a:rPr lang="nl-BE" dirty="0"/>
+              <a:t>Na iedere zet </a:t>
+            </a:r>
+            <a:r>
+              <a:rPr lang="nl-BE" dirty="0" err="1"/>
+              <a:t>stockfish</a:t>
+            </a:r>
+            <a:r>
+              <a:rPr lang="nl-BE" dirty="0"/>
+              <a:t> een evaluatie laten doen (0.5s)</a:t>
+            </a:r>
+          </a:p>
+          <a:p>
+            <a:pPr marL="1753200" lvl="4" indent="-457200">
+              <a:buFont typeface="Arial" panose="020B0604020202020204" pitchFamily="34" charset="0"/>
+              <a:buChar char="•"/>
+            </a:pPr>
+            <a:r>
+              <a:rPr lang="nl-BE" dirty="0"/>
+              <a:t>Te vaak dezelfde evaluatie? </a:t>
+            </a:r>
+            <a:r>
+              <a:rPr lang="nl-BE" dirty="0" err="1"/>
+              <a:t>Discard</a:t>
+            </a:r>
+            <a:r>
+              <a:rPr lang="nl-BE" dirty="0"/>
+              <a:t>!</a:t>
+            </a:r>
+          </a:p>
+          <a:p>
+            <a:pPr marL="1753200" lvl="4" indent="-457200">
+              <a:buFont typeface="Arial" panose="020B0604020202020204" pitchFamily="34" charset="0"/>
+              <a:buChar char="•"/>
+            </a:pPr>
+            <a:r>
+              <a:rPr lang="nl-BE" dirty="0"/>
+              <a:t>Opslaan na iedere game</a:t>
+            </a:r>
+          </a:p>
+          <a:p>
+            <a:pPr marL="1033200" lvl="2" indent="-457200">
+              <a:buFont typeface="Arial" panose="020B0604020202020204" pitchFamily="34" charset="0"/>
+              <a:buChar char="•"/>
+            </a:pPr>
+            <a:r>
+              <a:rPr lang="nl-BE" dirty="0"/>
+              <a:t>Board </a:t>
+            </a:r>
+            <a:r>
+              <a:rPr lang="nl-BE" dirty="0" err="1"/>
+              <a:t>quantiseren</a:t>
+            </a:r>
+            <a:r>
+              <a:rPr lang="nl-BE" dirty="0"/>
+              <a:t>: stukken vervangen door hun waarde</a:t>
+            </a:r>
+          </a:p>
+          <a:p>
+            <a:pPr marL="1033200" lvl="2" indent="-457200">
+              <a:buFont typeface="Arial" panose="020B0604020202020204" pitchFamily="34" charset="0"/>
+              <a:buChar char="•"/>
+            </a:pPr>
+            <a:r>
+              <a:rPr lang="nl-BE" dirty="0"/>
+              <a:t>Value aanpassen (SF geeft #x -&gt; schaakmat in x zetten)</a:t>
+            </a:r>
+          </a:p>
+          <a:p>
+            <a:pPr marL="457200" indent="-457200">
+              <a:buFont typeface="Arial" panose="020B0604020202020204" pitchFamily="34" charset="0"/>
+              <a:buChar char="•"/>
+            </a:pPr>
+            <a:endParaRPr lang="nl-BE" dirty="0"/>
+          </a:p>
+        </p:txBody>
+      </p:sp>
+      <p:sp>
+        <p:nvSpPr>
+          <p:cNvPr id="6" name="Tekstvak 5">
+            <a:extLst>
+              <a:ext uri="{FF2B5EF4-FFF2-40B4-BE49-F238E27FC236}">
+                <a16:creationId xmlns:a16="http://schemas.microsoft.com/office/drawing/2014/main" id="{8AC3A5A9-6099-4F39-87CC-DBB2CDEC88B1}"/>
+              </a:ext>
+            </a:extLst>
+          </p:cNvPr>
+          <p:cNvSpPr txBox="1"/>
+          <p:nvPr/>
+        </p:nvSpPr>
+        <p:spPr>
+          <a:xfrm>
+            <a:off x="6444208" y="6493986"/>
+            <a:ext cx="1944216" cy="369332"/>
+          </a:xfrm>
+          <a:prstGeom prst="rect">
+            <a:avLst/>
+          </a:prstGeom>
+          <a:noFill/>
+        </p:spPr>
+        <p:txBody>
+          <a:bodyPr wrap="square" rtlCol="0">
+            <a:spAutoFit/>
+          </a:bodyPr>
+          <a:lstStyle/>
+          <a:p>
+            <a:r>
+              <a:rPr lang="en-GB" dirty="0">
+                <a:solidFill>
+                  <a:schemeClr val="bg1"/>
+                </a:solidFill>
+              </a:rPr>
+              <a:t>Dieter Nuytemans</a:t>
+            </a:r>
+          </a:p>
+        </p:txBody>
+      </p:sp>
+    </p:spTree>
+    <p:extLst>
+      <p:ext uri="{BB962C8B-B14F-4D97-AF65-F5344CB8AC3E}">
+        <p14:creationId xmlns:p14="http://schemas.microsoft.com/office/powerpoint/2010/main" val="3143274516"/>
+      </p:ext>
+    </p:extLst>
+  </p:cSld>
+  <p:clrMapOvr>
+    <a:masterClrMapping/>
+  </p:clrMapOvr>
+</p:sld>
+</file>
+
+<file path=ppt/slides/slide11.xml><?xml version="1.0" encoding="utf-8"?>
+<p:sld xmlns:a="http://schemas.openxmlformats.org/drawingml/2006/main" xmlns:r="http://schemas.openxmlformats.org/officeDocument/2006/relationships" xmlns:p="http://schemas.openxmlformats.org/presentationml/2006/main">
+  <p:cSld>
+    <p:spTree>
+      <p:nvGrpSpPr>
+        <p:cNvPr id="1" name=""/>
+        <p:cNvGrpSpPr/>
+        <p:nvPr/>
+      </p:nvGrpSpPr>
+      <p:grpSpPr>
+        <a:xfrm>
+          <a:off x="0" y="0"/>
+          <a:ext cx="0" cy="0"/>
+          <a:chOff x="0" y="0"/>
+          <a:chExt cx="0" cy="0"/>
+        </a:xfrm>
+      </p:grpSpPr>
+      <p:sp>
+        <p:nvSpPr>
+          <p:cNvPr id="2" name="Titel 1">
+            <a:extLst>
+              <a:ext uri="{FF2B5EF4-FFF2-40B4-BE49-F238E27FC236}">
                 <a16:creationId xmlns:a16="http://schemas.microsoft.com/office/drawing/2014/main" id="{92E25FFA-58F7-41AE-B831-26E4B5182A67}"/>
               </a:ext>
             </a:extLst>
@@ -4910,7 +5204,7 @@
             <a:fld id="{3B032377-C103-4EFE-98C1-80A6E5A7472A}" type="slidenum">
               <a:rPr lang="nl-NL" smtClean="0"/>
               <a:pPr/>
-              <a:t>10</a:t>
+              <a:t>11</a:t>
             </a:fld>
             <a:endParaRPr lang="nl-NL"/>
           </a:p>
@@ -5221,6 +5515,45 @@
               <a:buChar char="•"/>
             </a:pPr>
             <a:endParaRPr lang="nl-BE" dirty="0"/>
+          </a:p>
+        </p:txBody>
+      </p:sp>
+      <p:sp>
+        <p:nvSpPr>
+          <p:cNvPr id="5" name="Tekstvak 4">
+            <a:extLst>
+              <a:ext uri="{FF2B5EF4-FFF2-40B4-BE49-F238E27FC236}">
+                <a16:creationId xmlns:a16="http://schemas.microsoft.com/office/drawing/2014/main" id="{96326E58-1D4C-4128-9E92-4213816A68DE}"/>
+              </a:ext>
+            </a:extLst>
+          </p:cNvPr>
+          <p:cNvSpPr txBox="1"/>
+          <p:nvPr/>
+        </p:nvSpPr>
+        <p:spPr>
+          <a:xfrm>
+            <a:off x="6444208" y="6493986"/>
+            <a:ext cx="1944216" cy="369332"/>
+          </a:xfrm>
+          <a:prstGeom prst="rect">
+            <a:avLst/>
+          </a:prstGeom>
+          <a:noFill/>
+        </p:spPr>
+        <p:txBody>
+          <a:bodyPr wrap="square" rtlCol="0">
+            <a:spAutoFit/>
+          </a:bodyPr>
+          <a:lstStyle/>
+          <a:p>
+            <a:r>
+              <a:rPr lang="en-GB" dirty="0">
+                <a:solidFill>
+                  <a:schemeClr val="bg1"/>
+                </a:solidFill>
+              </a:rPr>
+              <a:t>Dieter Nuytemans</a:t>
+            </a:r>
           </a:p>
         </p:txBody>
       </p:sp>
@@ -6115,7 +6448,7 @@
             <a:pPr marL="673200" lvl="1" indent="-457200"/>
             <a:r>
               <a:rPr lang="nl-BE" dirty="0"/>
-              <a:t>Betere waarde beschikbaar voor de wit / zwart</a:t>
+              <a:t>Betere waarde beschikbaar voor wit / zwart</a:t>
             </a:r>
           </a:p>
           <a:p>
@@ -6500,20 +6833,6 @@
             </a:r>
           </a:p>
           <a:p>
-            <a:pPr marL="673200" lvl="1" indent="-457200"/>
-            <a:r>
-              <a:rPr lang="nl-BE" dirty="0"/>
-              <a:t>Minimax: witte koningin -&gt; zwarte paard</a:t>
-            </a:r>
-          </a:p>
-          <a:p>
-            <a:pPr marL="673200" lvl="1" indent="-457200"/>
-            <a:r>
-              <a:rPr lang="nl-BE" dirty="0"/>
-              <a:t>Zwarte speler: zwarte pion -&gt; koningin</a:t>
-            </a:r>
-          </a:p>
-          <a:p>
             <a:pPr marL="457200" indent="-457200">
               <a:buFont typeface="Wingdings" panose="05000000000000000000" pitchFamily="2" charset="2"/>
               <a:buChar char="§"/>
@@ -6659,6 +6978,210 @@
           <p:cNvPr id="2" name="Titel 1">
             <a:extLst>
               <a:ext uri="{FF2B5EF4-FFF2-40B4-BE49-F238E27FC236}">
+                <a16:creationId xmlns:a16="http://schemas.microsoft.com/office/drawing/2014/main" id="{72A3AA42-18B5-458D-A97A-1318ED159FE8}"/>
+              </a:ext>
+            </a:extLst>
+          </p:cNvPr>
+          <p:cNvSpPr>
+            <a:spLocks noGrp="1"/>
+          </p:cNvSpPr>
+          <p:nvPr>
+            <p:ph type="title"/>
+          </p:nvPr>
+        </p:nvSpPr>
+        <p:spPr/>
+        <p:txBody>
+          <a:bodyPr/>
+          <a:lstStyle/>
+          <a:p>
+            <a:r>
+              <a:rPr lang="en-GB" dirty="0"/>
+              <a:t>Evaluation Function</a:t>
+            </a:r>
+          </a:p>
+        </p:txBody>
+      </p:sp>
+      <p:sp>
+        <p:nvSpPr>
+          <p:cNvPr id="3" name="Tijdelijke aanduiding voor inhoud 2">
+            <a:extLst>
+              <a:ext uri="{FF2B5EF4-FFF2-40B4-BE49-F238E27FC236}">
+                <a16:creationId xmlns:a16="http://schemas.microsoft.com/office/drawing/2014/main" id="{E2AF6575-811A-4EB0-BD29-F92B1861C2BE}"/>
+              </a:ext>
+            </a:extLst>
+          </p:cNvPr>
+          <p:cNvSpPr>
+            <a:spLocks noGrp="1"/>
+          </p:cNvSpPr>
+          <p:nvPr>
+            <p:ph idx="1"/>
+          </p:nvPr>
+        </p:nvSpPr>
+        <p:spPr/>
+        <p:txBody>
+          <a:bodyPr/>
+          <a:lstStyle/>
+          <a:p>
+            <a:pPr marL="673200" lvl="1" indent="-457200"/>
+            <a:r>
+              <a:rPr lang="nl-BE" dirty="0"/>
+              <a:t>Elk schaakstuk -&gt; vaste waarde</a:t>
+            </a:r>
+          </a:p>
+          <a:p>
+            <a:pPr marL="1033200" lvl="2" indent="-457200"/>
+            <a:r>
+              <a:rPr lang="nl-BE" dirty="0"/>
+              <a:t>Nadeel: Veel nodes krijgen dezelfde evaluatie</a:t>
+            </a:r>
+          </a:p>
+          <a:p>
+            <a:pPr marL="1033200" lvl="2" indent="-457200"/>
+            <a:r>
+              <a:rPr lang="nl-BE" dirty="0"/>
+              <a:t>Grootste prioriteit = captures</a:t>
+            </a:r>
+          </a:p>
+          <a:p>
+            <a:pPr marL="1033200" lvl="2" indent="-457200"/>
+            <a:r>
+              <a:rPr lang="nl-BE" dirty="0"/>
+              <a:t>Start van het spel: Elke evaluatie = 0</a:t>
+            </a:r>
+          </a:p>
+          <a:p>
+            <a:pPr marL="673200" lvl="1" indent="-457200"/>
+            <a:r>
+              <a:rPr lang="nl-BE" dirty="0"/>
+              <a:t>Evaluatie -&gt; vaste waarde + positie</a:t>
+            </a:r>
+          </a:p>
+          <a:p>
+            <a:pPr marL="1033200" lvl="2" indent="-457200"/>
+            <a:r>
+              <a:rPr lang="nl-BE" dirty="0"/>
+              <a:t>Loper staat best aan de zijkant van het schaakbord</a:t>
+            </a:r>
+          </a:p>
+          <a:p>
+            <a:pPr marL="673200" lvl="1" indent="-457200"/>
+            <a:r>
+              <a:rPr lang="nl-BE" dirty="0"/>
+              <a:t>Evaluatie -&gt; vaste waarde + positie + aantal “attacks”</a:t>
+            </a:r>
+          </a:p>
+          <a:p>
+            <a:pPr lvl="1" indent="0">
+              <a:buNone/>
+            </a:pPr>
+            <a:endParaRPr lang="nl-BE" dirty="0"/>
+          </a:p>
+        </p:txBody>
+      </p:sp>
+      <p:sp>
+        <p:nvSpPr>
+          <p:cNvPr id="4" name="Tijdelijke aanduiding voor dianummer 3">
+            <a:extLst>
+              <a:ext uri="{FF2B5EF4-FFF2-40B4-BE49-F238E27FC236}">
+                <a16:creationId xmlns:a16="http://schemas.microsoft.com/office/drawing/2014/main" id="{7F3ED9A0-0DA9-4220-9FDA-5C242003ECEF}"/>
+              </a:ext>
+            </a:extLst>
+          </p:cNvPr>
+          <p:cNvSpPr>
+            <a:spLocks noGrp="1"/>
+          </p:cNvSpPr>
+          <p:nvPr>
+            <p:ph type="sldNum" sz="quarter" idx="12"/>
+          </p:nvPr>
+        </p:nvSpPr>
+        <p:spPr/>
+        <p:txBody>
+          <a:bodyPr/>
+          <a:lstStyle/>
+          <a:p>
+            <a:fld id="{3B032377-C103-4EFE-98C1-80A6E5A7472A}" type="slidenum">
+              <a:rPr lang="nl-NL" smtClean="0"/>
+              <a:pPr/>
+              <a:t>8</a:t>
+            </a:fld>
+            <a:endParaRPr lang="nl-NL"/>
+          </a:p>
+        </p:txBody>
+      </p:sp>
+      <p:sp>
+        <p:nvSpPr>
+          <p:cNvPr id="5" name="Tekstvak 4">
+            <a:extLst>
+              <a:ext uri="{FF2B5EF4-FFF2-40B4-BE49-F238E27FC236}">
+                <a16:creationId xmlns:a16="http://schemas.microsoft.com/office/drawing/2014/main" id="{B160212B-187C-41F4-AB3C-AD898C33655D}"/>
+              </a:ext>
+            </a:extLst>
+          </p:cNvPr>
+          <p:cNvSpPr txBox="1"/>
+          <p:nvPr/>
+        </p:nvSpPr>
+        <p:spPr>
+          <a:xfrm>
+            <a:off x="6444208" y="6493986"/>
+            <a:ext cx="1944216" cy="369332"/>
+          </a:xfrm>
+          <a:prstGeom prst="rect">
+            <a:avLst/>
+          </a:prstGeom>
+          <a:noFill/>
+        </p:spPr>
+        <p:txBody>
+          <a:bodyPr wrap="square" rtlCol="0">
+            <a:spAutoFit/>
+          </a:bodyPr>
+          <a:lstStyle/>
+          <a:p>
+            <a:r>
+              <a:rPr lang="en-GB" dirty="0">
+                <a:solidFill>
+                  <a:schemeClr val="bg1"/>
+                </a:solidFill>
+              </a:rPr>
+              <a:t>Michiel Proost</a:t>
+            </a:r>
+          </a:p>
+        </p:txBody>
+      </p:sp>
+    </p:spTree>
+    <p:extLst>
+      <p:ext uri="{BB962C8B-B14F-4D97-AF65-F5344CB8AC3E}">
+        <p14:creationId xmlns:p14="http://schemas.microsoft.com/office/powerpoint/2010/main" val="2003221281"/>
+      </p:ext>
+    </p:extLst>
+  </p:cSld>
+  <p:clrMapOvr>
+    <a:masterClrMapping/>
+  </p:clrMapOvr>
+</p:sld>
+</file>
+
+<file path=ppt/slides/slide9.xml><?xml version="1.0" encoding="utf-8"?>
+<p:sld xmlns:a="http://schemas.openxmlformats.org/drawingml/2006/main" xmlns:r="http://schemas.openxmlformats.org/officeDocument/2006/relationships" xmlns:p="http://schemas.openxmlformats.org/presentationml/2006/main">
+  <p:cSld>
+    <p:spTree>
+      <p:nvGrpSpPr>
+        <p:cNvPr id="1" name=""/>
+        <p:cNvGrpSpPr/>
+        <p:nvPr/>
+      </p:nvGrpSpPr>
+      <p:grpSpPr>
+        <a:xfrm>
+          <a:off x="0" y="0"/>
+          <a:ext cx="0" cy="0"/>
+          <a:chOff x="0" y="0"/>
+          <a:chExt cx="0" cy="0"/>
+        </a:xfrm>
+      </p:grpSpPr>
+      <p:sp>
+        <p:nvSpPr>
+          <p:cNvPr id="2" name="Titel 1">
+            <a:extLst>
+              <a:ext uri="{FF2B5EF4-FFF2-40B4-BE49-F238E27FC236}">
                 <a16:creationId xmlns:a16="http://schemas.microsoft.com/office/drawing/2014/main" id="{28094252-C5A4-431C-8398-D7F0D4E30D77}"/>
               </a:ext>
             </a:extLst>
@@ -7002,7 +7525,7 @@
             <a:fld id="{3B032377-C103-4EFE-98C1-80A6E5A7472A}" type="slidenum">
               <a:rPr lang="nl-NL" smtClean="0"/>
               <a:pPr/>
-              <a:t>8</a:t>
+              <a:t>9</a:t>
             </a:fld>
             <a:endParaRPr lang="nl-NL"/>
           </a:p>
@@ -7055,263 +7578,49 @@
           </a:extLst>
         </p:spPr>
       </p:pic>
+      <p:sp>
+        <p:nvSpPr>
+          <p:cNvPr id="6" name="Tekstvak 5">
+            <a:extLst>
+              <a:ext uri="{FF2B5EF4-FFF2-40B4-BE49-F238E27FC236}">
+                <a16:creationId xmlns:a16="http://schemas.microsoft.com/office/drawing/2014/main" id="{3ED70A13-A752-4F85-B0A6-4B7D220A8454}"/>
+              </a:ext>
+            </a:extLst>
+          </p:cNvPr>
+          <p:cNvSpPr txBox="1"/>
+          <p:nvPr/>
+        </p:nvSpPr>
+        <p:spPr>
+          <a:xfrm>
+            <a:off x="6444208" y="6493986"/>
+            <a:ext cx="1944216" cy="369332"/>
+          </a:xfrm>
+          <a:prstGeom prst="rect">
+            <a:avLst/>
+          </a:prstGeom>
+          <a:noFill/>
+        </p:spPr>
+        <p:txBody>
+          <a:bodyPr wrap="square" rtlCol="0">
+            <a:spAutoFit/>
+          </a:bodyPr>
+          <a:lstStyle/>
+          <a:p>
+            <a:r>
+              <a:rPr lang="en-GB" dirty="0">
+                <a:solidFill>
+                  <a:schemeClr val="bg1"/>
+                </a:solidFill>
+              </a:rPr>
+              <a:t>Dieter Nuytemans</a:t>
+            </a:r>
+          </a:p>
+        </p:txBody>
+      </p:sp>
     </p:spTree>
     <p:extLst>
       <p:ext uri="{BB962C8B-B14F-4D97-AF65-F5344CB8AC3E}">
         <p14:creationId xmlns:p14="http://schemas.microsoft.com/office/powerpoint/2010/main" val="1660632369"/>
-      </p:ext>
-    </p:extLst>
-  </p:cSld>
-  <p:clrMapOvr>
-    <a:masterClrMapping/>
-  </p:clrMapOvr>
-</p:sld>
-</file>
-
-<file path=ppt/slides/slide9.xml><?xml version="1.0" encoding="utf-8"?>
-<p:sld xmlns:a="http://schemas.openxmlformats.org/drawingml/2006/main" xmlns:r="http://schemas.openxmlformats.org/officeDocument/2006/relationships" xmlns:p="http://schemas.openxmlformats.org/presentationml/2006/main">
-  <p:cSld>
-    <p:spTree>
-      <p:nvGrpSpPr>
-        <p:cNvPr id="1" name=""/>
-        <p:cNvGrpSpPr/>
-        <p:nvPr/>
-      </p:nvGrpSpPr>
-      <p:grpSpPr>
-        <a:xfrm>
-          <a:off x="0" y="0"/>
-          <a:ext cx="0" cy="0"/>
-          <a:chOff x="0" y="0"/>
-          <a:chExt cx="0" cy="0"/>
-        </a:xfrm>
-      </p:grpSpPr>
-      <p:sp>
-        <p:nvSpPr>
-          <p:cNvPr id="2" name="Titel 1">
-            <a:extLst>
-              <a:ext uri="{FF2B5EF4-FFF2-40B4-BE49-F238E27FC236}">
-                <a16:creationId xmlns:a16="http://schemas.microsoft.com/office/drawing/2014/main" id="{C1D90A32-DFC4-4348-BE22-D22DA94B3DDF}"/>
-              </a:ext>
-            </a:extLst>
-          </p:cNvPr>
-          <p:cNvSpPr>
-            <a:spLocks noGrp="1"/>
-          </p:cNvSpPr>
-          <p:nvPr>
-            <p:ph type="title"/>
-          </p:nvPr>
-        </p:nvSpPr>
-        <p:spPr/>
-        <p:txBody>
-          <a:bodyPr/>
-          <a:lstStyle/>
-          <a:p>
-            <a:r>
-              <a:rPr lang="nl-BE" dirty="0"/>
-              <a:t>Evaluation: Machine Learning data</a:t>
-            </a:r>
-          </a:p>
-        </p:txBody>
-      </p:sp>
-      <p:sp>
-        <p:nvSpPr>
-          <p:cNvPr id="4" name="Tijdelijke aanduiding voor dianummer 3">
-            <a:extLst>
-              <a:ext uri="{FF2B5EF4-FFF2-40B4-BE49-F238E27FC236}">
-                <a16:creationId xmlns:a16="http://schemas.microsoft.com/office/drawing/2014/main" id="{4D22679E-A3A5-4D99-A640-BF5E28A3F569}"/>
-              </a:ext>
-            </a:extLst>
-          </p:cNvPr>
-          <p:cNvSpPr>
-            <a:spLocks noGrp="1"/>
-          </p:cNvSpPr>
-          <p:nvPr>
-            <p:ph type="sldNum" sz="quarter" idx="12"/>
-          </p:nvPr>
-        </p:nvSpPr>
-        <p:spPr/>
-        <p:txBody>
-          <a:bodyPr/>
-          <a:lstStyle/>
-          <a:p>
-            <a:fld id="{3B032377-C103-4EFE-98C1-80A6E5A7472A}" type="slidenum">
-              <a:rPr lang="nl-NL" smtClean="0"/>
-              <a:pPr/>
-              <a:t>9</a:t>
-            </a:fld>
-            <a:endParaRPr lang="nl-NL"/>
-          </a:p>
-        </p:txBody>
-      </p:sp>
-      <p:sp>
-        <p:nvSpPr>
-          <p:cNvPr id="5" name="Tijdelijke aanduiding voor inhoud 2">
-            <a:extLst>
-              <a:ext uri="{FF2B5EF4-FFF2-40B4-BE49-F238E27FC236}">
-                <a16:creationId xmlns:a16="http://schemas.microsoft.com/office/drawing/2014/main" id="{4BEC9AAB-1639-4780-9C43-ED41CBB12768}"/>
-              </a:ext>
-            </a:extLst>
-          </p:cNvPr>
-          <p:cNvSpPr>
-            <a:spLocks noGrp="1"/>
-          </p:cNvSpPr>
-          <p:nvPr>
-            <p:ph idx="1"/>
-          </p:nvPr>
-        </p:nvSpPr>
-        <p:spPr>
-          <a:xfrm>
-            <a:off x="539552" y="1196976"/>
-            <a:ext cx="8064896" cy="4895850"/>
-          </a:xfrm>
-        </p:spPr>
-        <p:txBody>
-          <a:bodyPr/>
-          <a:lstStyle/>
-          <a:p>
-            <a:pPr marL="457200" indent="-457200">
-              <a:buFont typeface="Arial" panose="020B0604020202020204" pitchFamily="34" charset="0"/>
-              <a:buChar char="•"/>
-            </a:pPr>
-            <a:r>
-              <a:rPr lang="nl-BE" dirty="0"/>
-              <a:t>Data: Board &lt;-&gt; Evaluation</a:t>
-            </a:r>
-          </a:p>
-          <a:p>
-            <a:pPr marL="457200" indent="-457200">
-              <a:buFont typeface="Arial" panose="020B0604020202020204" pitchFamily="34" charset="0"/>
-              <a:buChar char="•"/>
-            </a:pPr>
-            <a:r>
-              <a:rPr lang="nl-BE" dirty="0"/>
-              <a:t>Verzamelen van data:</a:t>
-            </a:r>
-          </a:p>
-          <a:p>
-            <a:pPr marL="1033200" lvl="2" indent="-457200">
-              <a:buFont typeface="Arial" panose="020B0604020202020204" pitchFamily="34" charset="0"/>
-              <a:buChar char="•"/>
-            </a:pPr>
-            <a:r>
-              <a:rPr lang="nl-BE" dirty="0" err="1"/>
-              <a:t>Stockfish</a:t>
-            </a:r>
-            <a:r>
-              <a:rPr lang="nl-BE" dirty="0"/>
-              <a:t> </a:t>
-            </a:r>
-            <a:r>
-              <a:rPr lang="nl-BE" dirty="0" err="1"/>
-              <a:t>vs</a:t>
-            </a:r>
-            <a:r>
-              <a:rPr lang="nl-BE" dirty="0"/>
-              <a:t> </a:t>
-            </a:r>
-            <a:r>
-              <a:rPr lang="nl-BE" dirty="0" err="1"/>
-              <a:t>stockfish</a:t>
-            </a:r>
-            <a:endParaRPr lang="nl-BE" dirty="0"/>
-          </a:p>
-          <a:p>
-            <a:pPr marL="1753200" lvl="4" indent="-457200">
-              <a:buFont typeface="Arial" panose="020B0604020202020204" pitchFamily="34" charset="0"/>
-              <a:buChar char="•"/>
-            </a:pPr>
-            <a:r>
-              <a:rPr lang="nl-BE" dirty="0"/>
-              <a:t>Gelijke parameters (0.1s zoektijd) voor variatie in de data</a:t>
-            </a:r>
-          </a:p>
-          <a:p>
-            <a:pPr marL="1753200" lvl="4" indent="-457200">
-              <a:buFont typeface="Arial" panose="020B0604020202020204" pitchFamily="34" charset="0"/>
-              <a:buChar char="•"/>
-            </a:pPr>
-            <a:r>
-              <a:rPr lang="nl-BE" dirty="0"/>
-              <a:t>Na iedere zet </a:t>
-            </a:r>
-            <a:r>
-              <a:rPr lang="nl-BE" dirty="0" err="1"/>
-              <a:t>stockfish</a:t>
-            </a:r>
-            <a:r>
-              <a:rPr lang="nl-BE" dirty="0"/>
-              <a:t> een evaluatie laten doen (0.5s)</a:t>
-            </a:r>
-          </a:p>
-          <a:p>
-            <a:pPr marL="1753200" lvl="4" indent="-457200">
-              <a:buFont typeface="Arial" panose="020B0604020202020204" pitchFamily="34" charset="0"/>
-              <a:buChar char="•"/>
-            </a:pPr>
-            <a:r>
-              <a:rPr lang="nl-BE" dirty="0"/>
-              <a:t>Te vaak dezelfde evaluatie? </a:t>
-            </a:r>
-            <a:r>
-              <a:rPr lang="nl-BE" dirty="0" err="1"/>
-              <a:t>Discard</a:t>
-            </a:r>
-            <a:r>
-              <a:rPr lang="nl-BE" dirty="0"/>
-              <a:t>!</a:t>
-            </a:r>
-          </a:p>
-          <a:p>
-            <a:pPr marL="1753200" lvl="4" indent="-457200">
-              <a:buFont typeface="Arial" panose="020B0604020202020204" pitchFamily="34" charset="0"/>
-              <a:buChar char="•"/>
-            </a:pPr>
-            <a:r>
-              <a:rPr lang="nl-BE" dirty="0"/>
-              <a:t>Opslaan na iedere game</a:t>
-            </a:r>
-          </a:p>
-          <a:p>
-            <a:pPr marL="1033200" lvl="2" indent="-457200">
-              <a:buFont typeface="Arial" panose="020B0604020202020204" pitchFamily="34" charset="0"/>
-              <a:buChar char="•"/>
-            </a:pPr>
-            <a:r>
-              <a:rPr lang="nl-BE" dirty="0"/>
-              <a:t>Board </a:t>
-            </a:r>
-            <a:r>
-              <a:rPr lang="nl-BE" dirty="0" err="1"/>
-              <a:t>quantiseren</a:t>
-            </a:r>
-            <a:r>
-              <a:rPr lang="nl-BE" dirty="0"/>
-              <a:t>: stukken vervangen door hun waarde</a:t>
-            </a:r>
-          </a:p>
-          <a:p>
-            <a:pPr marL="1033200" lvl="2" indent="-457200">
-              <a:buFont typeface="Arial" panose="020B0604020202020204" pitchFamily="34" charset="0"/>
-              <a:buChar char="•"/>
-            </a:pPr>
-            <a:r>
-              <a:rPr lang="nl-BE" dirty="0"/>
-              <a:t>Value aanpassen (SF geeft #x -&gt; schaakmat in x zetten)</a:t>
-            </a:r>
-          </a:p>
-          <a:p>
-            <a:pPr marL="457200" indent="-457200">
-              <a:buFont typeface="Arial" panose="020B0604020202020204" pitchFamily="34" charset="0"/>
-              <a:buChar char="•"/>
-            </a:pPr>
-            <a:endParaRPr lang="nl-BE" dirty="0"/>
-          </a:p>
-        </p:txBody>
-      </p:sp>
-    </p:spTree>
-    <p:extLst>
-      <p:ext uri="{BB962C8B-B14F-4D97-AF65-F5344CB8AC3E}">
-        <p14:creationId xmlns:p14="http://schemas.microsoft.com/office/powerpoint/2010/main" val="3143274516"/>
       </p:ext>
     </p:extLst>
   </p:cSld>

--- a/PresentatieAI.pptx
+++ b/PresentatieAI.pptx
@@ -5,10 +5,10 @@
     <p:sldMasterId id="2147483648" r:id="rId1"/>
   </p:sldMasterIdLst>
   <p:notesMasterIdLst>
-    <p:notesMasterId r:id="rId13"/>
+    <p:notesMasterId r:id="rId18"/>
   </p:notesMasterIdLst>
   <p:handoutMasterIdLst>
-    <p:handoutMasterId r:id="rId14"/>
+    <p:handoutMasterId r:id="rId19"/>
   </p:handoutMasterIdLst>
   <p:sldIdLst>
     <p:sldId id="266" r:id="rId2"/>
@@ -22,6 +22,11 @@
     <p:sldId id="299" r:id="rId10"/>
     <p:sldId id="301" r:id="rId11"/>
     <p:sldId id="300" r:id="rId12"/>
+    <p:sldId id="305" r:id="rId13"/>
+    <p:sldId id="303" r:id="rId14"/>
+    <p:sldId id="304" r:id="rId15"/>
+    <p:sldId id="306" r:id="rId16"/>
+    <p:sldId id="307" r:id="rId17"/>
   </p:sldIdLst>
   <p:sldSz cx="9144000" cy="6858000" type="screen4x3"/>
   <p:notesSz cx="6797675" cy="9926638"/>
@@ -136,6 +141,11 @@
             <p14:sldId id="299"/>
             <p14:sldId id="301"/>
             <p14:sldId id="300"/>
+            <p14:sldId id="305"/>
+            <p14:sldId id="303"/>
+            <p14:sldId id="304"/>
+            <p14:sldId id="306"/>
+            <p14:sldId id="307"/>
           </p14:sldIdLst>
         </p14:section>
       </p14:sectionLst>
@@ -5561,6 +5571,1088 @@
     <p:extLst>
       <p:ext uri="{BB962C8B-B14F-4D97-AF65-F5344CB8AC3E}">
         <p14:creationId xmlns:p14="http://schemas.microsoft.com/office/powerpoint/2010/main" val="3803381045"/>
+      </p:ext>
+    </p:extLst>
+  </p:cSld>
+  <p:clrMapOvr>
+    <a:masterClrMapping/>
+  </p:clrMapOvr>
+</p:sld>
+</file>
+
+<file path=ppt/slides/slide12.xml><?xml version="1.0" encoding="utf-8"?>
+<p:sld xmlns:a="http://schemas.openxmlformats.org/drawingml/2006/main" xmlns:r="http://schemas.openxmlformats.org/officeDocument/2006/relationships" xmlns:p="http://schemas.openxmlformats.org/presentationml/2006/main">
+  <p:cSld>
+    <p:spTree>
+      <p:nvGrpSpPr>
+        <p:cNvPr id="1" name=""/>
+        <p:cNvGrpSpPr/>
+        <p:nvPr/>
+      </p:nvGrpSpPr>
+      <p:grpSpPr>
+        <a:xfrm>
+          <a:off x="0" y="0"/>
+          <a:ext cx="0" cy="0"/>
+          <a:chOff x="0" y="0"/>
+          <a:chExt cx="0" cy="0"/>
+        </a:xfrm>
+      </p:grpSpPr>
+      <p:sp>
+        <p:nvSpPr>
+          <p:cNvPr id="2" name="Titel 1">
+            <a:extLst>
+              <a:ext uri="{FF2B5EF4-FFF2-40B4-BE49-F238E27FC236}">
+                <a16:creationId xmlns:a16="http://schemas.microsoft.com/office/drawing/2014/main" id="{D9759683-1AE0-477B-A0DA-E6252CD4C038}"/>
+              </a:ext>
+            </a:extLst>
+          </p:cNvPr>
+          <p:cNvSpPr>
+            <a:spLocks noGrp="1"/>
+          </p:cNvSpPr>
+          <p:nvPr>
+            <p:ph type="title"/>
+          </p:nvPr>
+        </p:nvSpPr>
+        <p:spPr/>
+        <p:txBody>
+          <a:bodyPr/>
+          <a:lstStyle/>
+          <a:p>
+            <a:r>
+              <a:rPr lang="nl-BE" dirty="0"/>
+              <a:t>Tests</a:t>
+            </a:r>
+          </a:p>
+        </p:txBody>
+      </p:sp>
+      <p:sp>
+        <p:nvSpPr>
+          <p:cNvPr id="3" name="Tijdelijke aanduiding voor inhoud 2">
+            <a:extLst>
+              <a:ext uri="{FF2B5EF4-FFF2-40B4-BE49-F238E27FC236}">
+                <a16:creationId xmlns:a16="http://schemas.microsoft.com/office/drawing/2014/main" id="{C9D7ACC5-B308-41D9-926F-5C80236A3593}"/>
+              </a:ext>
+            </a:extLst>
+          </p:cNvPr>
+          <p:cNvSpPr>
+            <a:spLocks noGrp="1"/>
+          </p:cNvSpPr>
+          <p:nvPr>
+            <p:ph idx="1"/>
+          </p:nvPr>
+        </p:nvSpPr>
+        <p:spPr/>
+        <p:txBody>
+          <a:bodyPr/>
+          <a:lstStyle/>
+          <a:p>
+            <a:pPr marL="457200" indent="-457200">
+              <a:buFont typeface="Arial" panose="020B0604020202020204" pitchFamily="34" charset="0"/>
+              <a:buChar char="•"/>
+            </a:pPr>
+            <a:r>
+              <a:rPr lang="nl-BE" dirty="0" err="1"/>
+              <a:t>Alpha-beta</a:t>
+            </a:r>
+            <a:r>
+              <a:rPr lang="nl-BE" dirty="0"/>
+              <a:t> </a:t>
+            </a:r>
+            <a:r>
+              <a:rPr lang="nl-BE" dirty="0" err="1"/>
+              <a:t>pruning</a:t>
+            </a:r>
+            <a:endParaRPr lang="nl-BE" dirty="0"/>
+          </a:p>
+          <a:p>
+            <a:pPr marL="673200" lvl="1" indent="-457200">
+              <a:buFont typeface="Arial" panose="020B0604020202020204" pitchFamily="34" charset="0"/>
+              <a:buChar char="•"/>
+            </a:pPr>
+            <a:r>
+              <a:rPr lang="nl-BE" dirty="0"/>
+              <a:t>Manual </a:t>
+            </a:r>
+            <a:r>
+              <a:rPr lang="nl-BE" dirty="0" err="1"/>
+              <a:t>evaluation</a:t>
+            </a:r>
+            <a:endParaRPr lang="nl-BE" dirty="0"/>
+          </a:p>
+          <a:p>
+            <a:pPr marL="673200" lvl="1" indent="-457200">
+              <a:buFont typeface="Arial" panose="020B0604020202020204" pitchFamily="34" charset="0"/>
+              <a:buChar char="•"/>
+            </a:pPr>
+            <a:r>
+              <a:rPr lang="nl-BE" dirty="0"/>
+              <a:t>ML met </a:t>
+            </a:r>
+            <a:r>
+              <a:rPr lang="nl-BE" dirty="0" err="1"/>
+              <a:t>neural</a:t>
+            </a:r>
+            <a:r>
+              <a:rPr lang="nl-BE" dirty="0"/>
+              <a:t> </a:t>
+            </a:r>
+            <a:r>
+              <a:rPr lang="nl-BE" dirty="0" err="1"/>
+              <a:t>network</a:t>
+            </a:r>
+            <a:endParaRPr lang="nl-BE" dirty="0"/>
+          </a:p>
+          <a:p>
+            <a:pPr marL="673200" lvl="1" indent="-457200">
+              <a:buFont typeface="Arial" panose="020B0604020202020204" pitchFamily="34" charset="0"/>
+              <a:buChar char="•"/>
+            </a:pPr>
+            <a:r>
+              <a:rPr lang="nl-BE" dirty="0"/>
+              <a:t>ML met </a:t>
+            </a:r>
+            <a:r>
+              <a:rPr lang="nl-BE" dirty="0" err="1"/>
+              <a:t>convolutional</a:t>
+            </a:r>
+            <a:r>
+              <a:rPr lang="nl-BE" dirty="0"/>
+              <a:t> </a:t>
+            </a:r>
+            <a:r>
+              <a:rPr lang="nl-BE" dirty="0" err="1"/>
+              <a:t>neural</a:t>
+            </a:r>
+            <a:r>
+              <a:rPr lang="nl-BE" dirty="0"/>
+              <a:t> </a:t>
+            </a:r>
+            <a:r>
+              <a:rPr lang="nl-BE" dirty="0" err="1"/>
+              <a:t>network</a:t>
+            </a:r>
+            <a:endParaRPr lang="nl-BE" dirty="0"/>
+          </a:p>
+          <a:p>
+            <a:pPr marL="457200" indent="-457200">
+              <a:buFont typeface="Arial" panose="020B0604020202020204" pitchFamily="34" charset="0"/>
+              <a:buChar char="•"/>
+            </a:pPr>
+            <a:r>
+              <a:rPr lang="nl-BE" dirty="0" err="1"/>
+              <a:t>Vs</a:t>
+            </a:r>
+            <a:r>
+              <a:rPr lang="nl-BE" dirty="0"/>
+              <a:t> random, </a:t>
+            </a:r>
+            <a:r>
+              <a:rPr lang="nl-BE" dirty="0" err="1"/>
+              <a:t>random_with_first_level_search</a:t>
+            </a:r>
+            <a:r>
+              <a:rPr lang="nl-BE" dirty="0"/>
+              <a:t>, </a:t>
+            </a:r>
+            <a:r>
+              <a:rPr lang="nl-BE" dirty="0" err="1"/>
+              <a:t>stockfish</a:t>
+            </a:r>
+            <a:endParaRPr lang="nl-BE" dirty="0"/>
+          </a:p>
+          <a:p>
+            <a:pPr marL="457200" indent="-457200">
+              <a:buFont typeface="Arial" panose="020B0604020202020204" pitchFamily="34" charset="0"/>
+              <a:buChar char="•"/>
+            </a:pPr>
+            <a:r>
+              <a:rPr lang="nl-BE" dirty="0"/>
+              <a:t>Telkens 20 games </a:t>
+            </a:r>
+          </a:p>
+          <a:p>
+            <a:pPr lvl="1" indent="0">
+              <a:buNone/>
+            </a:pPr>
+            <a:endParaRPr lang="nl-BE" dirty="0"/>
+          </a:p>
+        </p:txBody>
+      </p:sp>
+      <p:sp>
+        <p:nvSpPr>
+          <p:cNvPr id="4" name="Tijdelijke aanduiding voor dianummer 3">
+            <a:extLst>
+              <a:ext uri="{FF2B5EF4-FFF2-40B4-BE49-F238E27FC236}">
+                <a16:creationId xmlns:a16="http://schemas.microsoft.com/office/drawing/2014/main" id="{4B5C0DD3-631E-4E04-B0E5-FADB7604927E}"/>
+              </a:ext>
+            </a:extLst>
+          </p:cNvPr>
+          <p:cNvSpPr>
+            <a:spLocks noGrp="1"/>
+          </p:cNvSpPr>
+          <p:nvPr>
+            <p:ph type="sldNum" sz="quarter" idx="12"/>
+          </p:nvPr>
+        </p:nvSpPr>
+        <p:spPr/>
+        <p:txBody>
+          <a:bodyPr/>
+          <a:lstStyle/>
+          <a:p>
+            <a:fld id="{3B032377-C103-4EFE-98C1-80A6E5A7472A}" type="slidenum">
+              <a:rPr lang="nl-NL" smtClean="0"/>
+              <a:pPr/>
+              <a:t>12</a:t>
+            </a:fld>
+            <a:endParaRPr lang="nl-NL"/>
+          </a:p>
+        </p:txBody>
+      </p:sp>
+    </p:spTree>
+    <p:extLst>
+      <p:ext uri="{BB962C8B-B14F-4D97-AF65-F5344CB8AC3E}">
+        <p14:creationId xmlns:p14="http://schemas.microsoft.com/office/powerpoint/2010/main" val="3293873382"/>
+      </p:ext>
+    </p:extLst>
+  </p:cSld>
+  <p:clrMapOvr>
+    <a:masterClrMapping/>
+  </p:clrMapOvr>
+</p:sld>
+</file>
+
+<file path=ppt/slides/slide13.xml><?xml version="1.0" encoding="utf-8"?>
+<p:sld xmlns:a="http://schemas.openxmlformats.org/drawingml/2006/main" xmlns:r="http://schemas.openxmlformats.org/officeDocument/2006/relationships" xmlns:p="http://schemas.openxmlformats.org/presentationml/2006/main">
+  <p:cSld>
+    <p:spTree>
+      <p:nvGrpSpPr>
+        <p:cNvPr id="1" name=""/>
+        <p:cNvGrpSpPr/>
+        <p:nvPr/>
+      </p:nvGrpSpPr>
+      <p:grpSpPr>
+        <a:xfrm>
+          <a:off x="0" y="0"/>
+          <a:ext cx="0" cy="0"/>
+          <a:chOff x="0" y="0"/>
+          <a:chExt cx="0" cy="0"/>
+        </a:xfrm>
+      </p:grpSpPr>
+      <p:sp>
+        <p:nvSpPr>
+          <p:cNvPr id="2" name="Titel 1">
+            <a:extLst>
+              <a:ext uri="{FF2B5EF4-FFF2-40B4-BE49-F238E27FC236}">
+                <a16:creationId xmlns:a16="http://schemas.microsoft.com/office/drawing/2014/main" id="{C413C787-F713-4688-A994-7169DADD9880}"/>
+              </a:ext>
+            </a:extLst>
+          </p:cNvPr>
+          <p:cNvSpPr>
+            <a:spLocks noGrp="1"/>
+          </p:cNvSpPr>
+          <p:nvPr>
+            <p:ph type="title"/>
+          </p:nvPr>
+        </p:nvSpPr>
+        <p:spPr/>
+        <p:txBody>
+          <a:bodyPr/>
+          <a:lstStyle/>
+          <a:p>
+            <a:r>
+              <a:rPr lang="nl-BE" dirty="0" err="1"/>
+              <a:t>Alpha-beta</a:t>
+            </a:r>
+            <a:r>
+              <a:rPr lang="nl-BE" dirty="0"/>
+              <a:t> met manual </a:t>
+            </a:r>
+            <a:r>
+              <a:rPr lang="nl-BE" dirty="0" err="1"/>
+              <a:t>evaluation</a:t>
+            </a:r>
+            <a:endParaRPr lang="nl-BE" dirty="0"/>
+          </a:p>
+        </p:txBody>
+      </p:sp>
+      <p:sp>
+        <p:nvSpPr>
+          <p:cNvPr id="3" name="Tijdelijke aanduiding voor inhoud 2">
+            <a:extLst>
+              <a:ext uri="{FF2B5EF4-FFF2-40B4-BE49-F238E27FC236}">
+                <a16:creationId xmlns:a16="http://schemas.microsoft.com/office/drawing/2014/main" id="{AA739873-EC85-4BF5-8743-CB972B9EB61E}"/>
+              </a:ext>
+            </a:extLst>
+          </p:cNvPr>
+          <p:cNvSpPr>
+            <a:spLocks noGrp="1"/>
+          </p:cNvSpPr>
+          <p:nvPr>
+            <p:ph idx="1"/>
+          </p:nvPr>
+        </p:nvSpPr>
+        <p:spPr/>
+        <p:txBody>
+          <a:bodyPr/>
+          <a:lstStyle/>
+          <a:p>
+            <a:pPr marL="457200" indent="-457200">
+              <a:buFont typeface="Arial" panose="020B0604020202020204" pitchFamily="34" charset="0"/>
+              <a:buChar char="•"/>
+            </a:pPr>
+            <a:r>
+              <a:rPr lang="nl-BE" dirty="0" err="1"/>
+              <a:t>Vs</a:t>
+            </a:r>
+            <a:r>
+              <a:rPr lang="nl-BE" dirty="0"/>
+              <a:t> random:</a:t>
+            </a:r>
+          </a:p>
+          <a:p>
+            <a:pPr marL="673200" lvl="1" indent="-457200">
+              <a:buFont typeface="Arial" panose="020B0604020202020204" pitchFamily="34" charset="0"/>
+              <a:buChar char="•"/>
+            </a:pPr>
+            <a:r>
+              <a:rPr lang="nl-BE" dirty="0"/>
+              <a:t>Win: 19</a:t>
+            </a:r>
+          </a:p>
+          <a:p>
+            <a:pPr marL="673200" lvl="1" indent="-457200">
+              <a:buFont typeface="Arial" panose="020B0604020202020204" pitchFamily="34" charset="0"/>
+              <a:buChar char="•"/>
+            </a:pPr>
+            <a:r>
+              <a:rPr lang="nl-BE" dirty="0" err="1"/>
+              <a:t>Loss</a:t>
+            </a:r>
+            <a:r>
+              <a:rPr lang="nl-BE" dirty="0"/>
+              <a:t>: 1</a:t>
+            </a:r>
+          </a:p>
+          <a:p>
+            <a:pPr marL="673200" lvl="1" indent="-457200">
+              <a:buFont typeface="Arial" panose="020B0604020202020204" pitchFamily="34" charset="0"/>
+              <a:buChar char="•"/>
+            </a:pPr>
+            <a:r>
+              <a:rPr lang="nl-BE" dirty="0"/>
+              <a:t>Draw: 0</a:t>
+            </a:r>
+          </a:p>
+          <a:p>
+            <a:pPr marL="457200" indent="-457200">
+              <a:buFont typeface="Arial" panose="020B0604020202020204" pitchFamily="34" charset="0"/>
+              <a:buChar char="•"/>
+            </a:pPr>
+            <a:r>
+              <a:rPr lang="nl-BE" dirty="0" err="1"/>
+              <a:t>Vs</a:t>
+            </a:r>
+            <a:r>
+              <a:rPr lang="nl-BE" dirty="0"/>
+              <a:t> </a:t>
+            </a:r>
+            <a:r>
+              <a:rPr lang="nl-BE" dirty="0" err="1"/>
+              <a:t>random_with_first_level_search</a:t>
+            </a:r>
+            <a:endParaRPr lang="nl-BE" dirty="0"/>
+          </a:p>
+          <a:p>
+            <a:pPr marL="673200" lvl="1" indent="-457200">
+              <a:buFont typeface="Arial" panose="020B0604020202020204" pitchFamily="34" charset="0"/>
+              <a:buChar char="•"/>
+            </a:pPr>
+            <a:r>
+              <a:rPr lang="nl-BE" dirty="0"/>
+              <a:t>Win: 16</a:t>
+            </a:r>
+          </a:p>
+          <a:p>
+            <a:pPr marL="673200" lvl="1" indent="-457200">
+              <a:buFont typeface="Arial" panose="020B0604020202020204" pitchFamily="34" charset="0"/>
+              <a:buChar char="•"/>
+            </a:pPr>
+            <a:r>
+              <a:rPr lang="nl-BE" dirty="0" err="1"/>
+              <a:t>Loss</a:t>
+            </a:r>
+            <a:r>
+              <a:rPr lang="nl-BE" dirty="0"/>
+              <a:t>: 3</a:t>
+            </a:r>
+          </a:p>
+          <a:p>
+            <a:pPr marL="673200" lvl="1" indent="-457200">
+              <a:buFont typeface="Arial" panose="020B0604020202020204" pitchFamily="34" charset="0"/>
+              <a:buChar char="•"/>
+            </a:pPr>
+            <a:r>
+              <a:rPr lang="nl-BE" dirty="0"/>
+              <a:t>Draw:1</a:t>
+            </a:r>
+          </a:p>
+          <a:p>
+            <a:pPr lvl="1" indent="0">
+              <a:buNone/>
+            </a:pPr>
+            <a:endParaRPr lang="nl-BE" dirty="0"/>
+          </a:p>
+          <a:p>
+            <a:pPr marL="457200" indent="-457200">
+              <a:buFont typeface="Arial" panose="020B0604020202020204" pitchFamily="34" charset="0"/>
+              <a:buChar char="•"/>
+            </a:pPr>
+            <a:endParaRPr lang="nl-BE" dirty="0"/>
+          </a:p>
+        </p:txBody>
+      </p:sp>
+      <p:sp>
+        <p:nvSpPr>
+          <p:cNvPr id="4" name="Tijdelijke aanduiding voor dianummer 3">
+            <a:extLst>
+              <a:ext uri="{FF2B5EF4-FFF2-40B4-BE49-F238E27FC236}">
+                <a16:creationId xmlns:a16="http://schemas.microsoft.com/office/drawing/2014/main" id="{AF479A33-AFDE-43AE-8ADA-18B46EE69617}"/>
+              </a:ext>
+            </a:extLst>
+          </p:cNvPr>
+          <p:cNvSpPr>
+            <a:spLocks noGrp="1"/>
+          </p:cNvSpPr>
+          <p:nvPr>
+            <p:ph type="sldNum" sz="quarter" idx="12"/>
+          </p:nvPr>
+        </p:nvSpPr>
+        <p:spPr/>
+        <p:txBody>
+          <a:bodyPr/>
+          <a:lstStyle/>
+          <a:p>
+            <a:fld id="{3B032377-C103-4EFE-98C1-80A6E5A7472A}" type="slidenum">
+              <a:rPr lang="nl-NL" smtClean="0"/>
+              <a:pPr/>
+              <a:t>13</a:t>
+            </a:fld>
+            <a:endParaRPr lang="nl-NL"/>
+          </a:p>
+        </p:txBody>
+      </p:sp>
+    </p:spTree>
+    <p:extLst>
+      <p:ext uri="{BB962C8B-B14F-4D97-AF65-F5344CB8AC3E}">
+        <p14:creationId xmlns:p14="http://schemas.microsoft.com/office/powerpoint/2010/main" val="2590602489"/>
+      </p:ext>
+    </p:extLst>
+  </p:cSld>
+  <p:clrMapOvr>
+    <a:masterClrMapping/>
+  </p:clrMapOvr>
+</p:sld>
+</file>
+
+<file path=ppt/slides/slide14.xml><?xml version="1.0" encoding="utf-8"?>
+<p:sld xmlns:a="http://schemas.openxmlformats.org/drawingml/2006/main" xmlns:r="http://schemas.openxmlformats.org/officeDocument/2006/relationships" xmlns:p="http://schemas.openxmlformats.org/presentationml/2006/main">
+  <p:cSld>
+    <p:spTree>
+      <p:nvGrpSpPr>
+        <p:cNvPr id="1" name=""/>
+        <p:cNvGrpSpPr/>
+        <p:nvPr/>
+      </p:nvGrpSpPr>
+      <p:grpSpPr>
+        <a:xfrm>
+          <a:off x="0" y="0"/>
+          <a:ext cx="0" cy="0"/>
+          <a:chOff x="0" y="0"/>
+          <a:chExt cx="0" cy="0"/>
+        </a:xfrm>
+      </p:grpSpPr>
+      <p:sp>
+        <p:nvSpPr>
+          <p:cNvPr id="2" name="Titel 1">
+            <a:extLst>
+              <a:ext uri="{FF2B5EF4-FFF2-40B4-BE49-F238E27FC236}">
+                <a16:creationId xmlns:a16="http://schemas.microsoft.com/office/drawing/2014/main" id="{CA07061A-3EBA-4B58-9B34-EF0087F2374C}"/>
+              </a:ext>
+            </a:extLst>
+          </p:cNvPr>
+          <p:cNvSpPr>
+            <a:spLocks noGrp="1"/>
+          </p:cNvSpPr>
+          <p:nvPr>
+            <p:ph type="title"/>
+          </p:nvPr>
+        </p:nvSpPr>
+        <p:spPr/>
+        <p:txBody>
+          <a:bodyPr/>
+          <a:lstStyle/>
+          <a:p>
+            <a:r>
+              <a:rPr lang="nl-BE" dirty="0" err="1"/>
+              <a:t>Alpha-beta</a:t>
+            </a:r>
+            <a:r>
+              <a:rPr lang="nl-BE" dirty="0"/>
+              <a:t> met ML (</a:t>
+            </a:r>
+            <a:r>
+              <a:rPr lang="nl-BE" dirty="0" err="1"/>
+              <a:t>neural</a:t>
+            </a:r>
+            <a:r>
+              <a:rPr lang="nl-BE" dirty="0"/>
+              <a:t> </a:t>
+            </a:r>
+            <a:r>
+              <a:rPr lang="nl-BE" dirty="0" err="1"/>
+              <a:t>network</a:t>
+            </a:r>
+            <a:r>
+              <a:rPr lang="nl-BE" dirty="0"/>
+              <a:t>)</a:t>
+            </a:r>
+          </a:p>
+        </p:txBody>
+      </p:sp>
+      <p:sp>
+        <p:nvSpPr>
+          <p:cNvPr id="3" name="Tijdelijke aanduiding voor inhoud 2">
+            <a:extLst>
+              <a:ext uri="{FF2B5EF4-FFF2-40B4-BE49-F238E27FC236}">
+                <a16:creationId xmlns:a16="http://schemas.microsoft.com/office/drawing/2014/main" id="{E3E90215-74E6-49ED-B27F-8ED5BD7B92E3}"/>
+              </a:ext>
+            </a:extLst>
+          </p:cNvPr>
+          <p:cNvSpPr>
+            <a:spLocks noGrp="1"/>
+          </p:cNvSpPr>
+          <p:nvPr>
+            <p:ph idx="1"/>
+          </p:nvPr>
+        </p:nvSpPr>
+        <p:spPr/>
+        <p:txBody>
+          <a:bodyPr/>
+          <a:lstStyle/>
+          <a:p>
+            <a:pPr marL="457200" indent="-457200">
+              <a:buFont typeface="Arial" panose="020B0604020202020204" pitchFamily="34" charset="0"/>
+              <a:buChar char="•"/>
+            </a:pPr>
+            <a:r>
+              <a:rPr lang="nl-BE" dirty="0" err="1"/>
+              <a:t>Vs</a:t>
+            </a:r>
+            <a:r>
+              <a:rPr lang="nl-BE" dirty="0"/>
+              <a:t> random:</a:t>
+            </a:r>
+          </a:p>
+          <a:p>
+            <a:pPr marL="673200" lvl="1" indent="-457200">
+              <a:buFont typeface="Arial" panose="020B0604020202020204" pitchFamily="34" charset="0"/>
+              <a:buChar char="•"/>
+            </a:pPr>
+            <a:r>
+              <a:rPr lang="nl-BE" dirty="0"/>
+              <a:t>Win: 15</a:t>
+            </a:r>
+          </a:p>
+          <a:p>
+            <a:pPr marL="673200" lvl="1" indent="-457200">
+              <a:buFont typeface="Arial" panose="020B0604020202020204" pitchFamily="34" charset="0"/>
+              <a:buChar char="•"/>
+            </a:pPr>
+            <a:r>
+              <a:rPr lang="nl-BE" dirty="0" err="1"/>
+              <a:t>Loss</a:t>
+            </a:r>
+            <a:r>
+              <a:rPr lang="nl-BE" dirty="0"/>
+              <a:t>: 0</a:t>
+            </a:r>
+          </a:p>
+          <a:p>
+            <a:pPr marL="673200" lvl="1" indent="-457200">
+              <a:buFont typeface="Arial" panose="020B0604020202020204" pitchFamily="34" charset="0"/>
+              <a:buChar char="•"/>
+            </a:pPr>
+            <a:r>
+              <a:rPr lang="nl-BE" dirty="0"/>
+              <a:t>Draw: 5</a:t>
+            </a:r>
+          </a:p>
+          <a:p>
+            <a:pPr marL="457200" indent="-457200">
+              <a:buFont typeface="Arial" panose="020B0604020202020204" pitchFamily="34" charset="0"/>
+              <a:buChar char="•"/>
+            </a:pPr>
+            <a:r>
+              <a:rPr lang="nl-BE" dirty="0" err="1"/>
+              <a:t>Vs</a:t>
+            </a:r>
+            <a:r>
+              <a:rPr lang="nl-BE" dirty="0"/>
+              <a:t> </a:t>
+            </a:r>
+            <a:r>
+              <a:rPr lang="nl-BE" dirty="0" err="1"/>
+              <a:t>random_with_first_level_search</a:t>
+            </a:r>
+            <a:endParaRPr lang="nl-BE" dirty="0"/>
+          </a:p>
+          <a:p>
+            <a:pPr marL="673200" lvl="1" indent="-457200">
+              <a:buFont typeface="Arial" panose="020B0604020202020204" pitchFamily="34" charset="0"/>
+              <a:buChar char="•"/>
+            </a:pPr>
+            <a:r>
+              <a:rPr lang="nl-BE" dirty="0"/>
+              <a:t>Win: 14</a:t>
+            </a:r>
+          </a:p>
+          <a:p>
+            <a:pPr marL="673200" lvl="1" indent="-457200">
+              <a:buFont typeface="Arial" panose="020B0604020202020204" pitchFamily="34" charset="0"/>
+              <a:buChar char="•"/>
+            </a:pPr>
+            <a:r>
+              <a:rPr lang="nl-BE" dirty="0" err="1"/>
+              <a:t>Loss</a:t>
+            </a:r>
+            <a:r>
+              <a:rPr lang="nl-BE" dirty="0"/>
+              <a:t>: 4</a:t>
+            </a:r>
+          </a:p>
+          <a:p>
+            <a:pPr marL="673200" lvl="1" indent="-457200">
+              <a:buFont typeface="Arial" panose="020B0604020202020204" pitchFamily="34" charset="0"/>
+              <a:buChar char="•"/>
+            </a:pPr>
+            <a:r>
+              <a:rPr lang="nl-BE" dirty="0"/>
+              <a:t>Draw:2</a:t>
+            </a:r>
+          </a:p>
+          <a:p>
+            <a:pPr marL="457200" indent="-457200">
+              <a:buFont typeface="Arial" panose="020B0604020202020204" pitchFamily="34" charset="0"/>
+              <a:buChar char="•"/>
+            </a:pPr>
+            <a:endParaRPr lang="nl-BE" dirty="0"/>
+          </a:p>
+        </p:txBody>
+      </p:sp>
+      <p:sp>
+        <p:nvSpPr>
+          <p:cNvPr id="4" name="Tijdelijke aanduiding voor dianummer 3">
+            <a:extLst>
+              <a:ext uri="{FF2B5EF4-FFF2-40B4-BE49-F238E27FC236}">
+                <a16:creationId xmlns:a16="http://schemas.microsoft.com/office/drawing/2014/main" id="{FB1CCAB1-2B21-4328-A2FC-0C31A7F8B49A}"/>
+              </a:ext>
+            </a:extLst>
+          </p:cNvPr>
+          <p:cNvSpPr>
+            <a:spLocks noGrp="1"/>
+          </p:cNvSpPr>
+          <p:nvPr>
+            <p:ph type="sldNum" sz="quarter" idx="12"/>
+          </p:nvPr>
+        </p:nvSpPr>
+        <p:spPr/>
+        <p:txBody>
+          <a:bodyPr/>
+          <a:lstStyle/>
+          <a:p>
+            <a:fld id="{3B032377-C103-4EFE-98C1-80A6E5A7472A}" type="slidenum">
+              <a:rPr lang="nl-NL" smtClean="0"/>
+              <a:pPr/>
+              <a:t>14</a:t>
+            </a:fld>
+            <a:endParaRPr lang="nl-NL"/>
+          </a:p>
+        </p:txBody>
+      </p:sp>
+    </p:spTree>
+    <p:extLst>
+      <p:ext uri="{BB962C8B-B14F-4D97-AF65-F5344CB8AC3E}">
+        <p14:creationId xmlns:p14="http://schemas.microsoft.com/office/powerpoint/2010/main" val="1078872172"/>
+      </p:ext>
+    </p:extLst>
+  </p:cSld>
+  <p:clrMapOvr>
+    <a:masterClrMapping/>
+  </p:clrMapOvr>
+</p:sld>
+</file>
+
+<file path=ppt/slides/slide15.xml><?xml version="1.0" encoding="utf-8"?>
+<p:sld xmlns:a="http://schemas.openxmlformats.org/drawingml/2006/main" xmlns:r="http://schemas.openxmlformats.org/officeDocument/2006/relationships" xmlns:p="http://schemas.openxmlformats.org/presentationml/2006/main">
+  <p:cSld>
+    <p:spTree>
+      <p:nvGrpSpPr>
+        <p:cNvPr id="1" name=""/>
+        <p:cNvGrpSpPr/>
+        <p:nvPr/>
+      </p:nvGrpSpPr>
+      <p:grpSpPr>
+        <a:xfrm>
+          <a:off x="0" y="0"/>
+          <a:ext cx="0" cy="0"/>
+          <a:chOff x="0" y="0"/>
+          <a:chExt cx="0" cy="0"/>
+        </a:xfrm>
+      </p:grpSpPr>
+      <p:sp>
+        <p:nvSpPr>
+          <p:cNvPr id="2" name="Titel 1">
+            <a:extLst>
+              <a:ext uri="{FF2B5EF4-FFF2-40B4-BE49-F238E27FC236}">
+                <a16:creationId xmlns:a16="http://schemas.microsoft.com/office/drawing/2014/main" id="{372B0762-8A7B-4D3F-B281-03CCAE67C122}"/>
+              </a:ext>
+            </a:extLst>
+          </p:cNvPr>
+          <p:cNvSpPr>
+            <a:spLocks noGrp="1"/>
+          </p:cNvSpPr>
+          <p:nvPr>
+            <p:ph type="title"/>
+          </p:nvPr>
+        </p:nvSpPr>
+        <p:spPr/>
+        <p:txBody>
+          <a:bodyPr/>
+          <a:lstStyle/>
+          <a:p>
+            <a:r>
+              <a:rPr lang="nl-BE" dirty="0" err="1"/>
+              <a:t>Alpha-beta</a:t>
+            </a:r>
+            <a:r>
+              <a:rPr lang="nl-BE" dirty="0"/>
+              <a:t> met ML (CNN)</a:t>
+            </a:r>
+          </a:p>
+        </p:txBody>
+      </p:sp>
+      <p:sp>
+        <p:nvSpPr>
+          <p:cNvPr id="3" name="Tijdelijke aanduiding voor inhoud 2">
+            <a:extLst>
+              <a:ext uri="{FF2B5EF4-FFF2-40B4-BE49-F238E27FC236}">
+                <a16:creationId xmlns:a16="http://schemas.microsoft.com/office/drawing/2014/main" id="{1D61C0FD-4541-48C5-8513-A7C7AAF403B2}"/>
+              </a:ext>
+            </a:extLst>
+          </p:cNvPr>
+          <p:cNvSpPr>
+            <a:spLocks noGrp="1"/>
+          </p:cNvSpPr>
+          <p:nvPr>
+            <p:ph idx="1"/>
+          </p:nvPr>
+        </p:nvSpPr>
+        <p:spPr/>
+        <p:txBody>
+          <a:bodyPr/>
+          <a:lstStyle/>
+          <a:p>
+            <a:pPr marL="457200" indent="-457200">
+              <a:buFont typeface="Arial" panose="020B0604020202020204" pitchFamily="34" charset="0"/>
+              <a:buChar char="•"/>
+            </a:pPr>
+            <a:r>
+              <a:rPr lang="nl-BE" dirty="0" err="1"/>
+              <a:t>Vs</a:t>
+            </a:r>
+            <a:r>
+              <a:rPr lang="nl-BE" dirty="0"/>
+              <a:t> random:</a:t>
+            </a:r>
+          </a:p>
+          <a:p>
+            <a:pPr marL="673200" lvl="1" indent="-457200">
+              <a:buFont typeface="Arial" panose="020B0604020202020204" pitchFamily="34" charset="0"/>
+              <a:buChar char="•"/>
+            </a:pPr>
+            <a:r>
+              <a:rPr lang="nl-BE" dirty="0"/>
+              <a:t>Win: 16</a:t>
+            </a:r>
+          </a:p>
+          <a:p>
+            <a:pPr marL="673200" lvl="1" indent="-457200">
+              <a:buFont typeface="Arial" panose="020B0604020202020204" pitchFamily="34" charset="0"/>
+              <a:buChar char="•"/>
+            </a:pPr>
+            <a:r>
+              <a:rPr lang="nl-BE" dirty="0" err="1"/>
+              <a:t>Loss</a:t>
+            </a:r>
+            <a:r>
+              <a:rPr lang="nl-BE" dirty="0"/>
+              <a:t>: 1</a:t>
+            </a:r>
+          </a:p>
+          <a:p>
+            <a:pPr marL="673200" lvl="1" indent="-457200">
+              <a:buFont typeface="Arial" panose="020B0604020202020204" pitchFamily="34" charset="0"/>
+              <a:buChar char="•"/>
+            </a:pPr>
+            <a:r>
+              <a:rPr lang="nl-BE" dirty="0"/>
+              <a:t>Draw: 3</a:t>
+            </a:r>
+          </a:p>
+          <a:p>
+            <a:pPr marL="457200" indent="-457200">
+              <a:buFont typeface="Arial" panose="020B0604020202020204" pitchFamily="34" charset="0"/>
+              <a:buChar char="•"/>
+            </a:pPr>
+            <a:r>
+              <a:rPr lang="nl-BE" dirty="0" err="1"/>
+              <a:t>Vs</a:t>
+            </a:r>
+            <a:r>
+              <a:rPr lang="nl-BE" dirty="0"/>
+              <a:t> </a:t>
+            </a:r>
+            <a:r>
+              <a:rPr lang="nl-BE" dirty="0" err="1"/>
+              <a:t>random_with_first_level_search</a:t>
+            </a:r>
+            <a:endParaRPr lang="nl-BE" dirty="0"/>
+          </a:p>
+          <a:p>
+            <a:pPr marL="673200" lvl="1" indent="-457200">
+              <a:buFont typeface="Arial" panose="020B0604020202020204" pitchFamily="34" charset="0"/>
+              <a:buChar char="•"/>
+            </a:pPr>
+            <a:r>
+              <a:rPr lang="nl-BE" dirty="0"/>
+              <a:t>Win: 6</a:t>
+            </a:r>
+          </a:p>
+          <a:p>
+            <a:pPr marL="673200" lvl="1" indent="-457200">
+              <a:buFont typeface="Arial" panose="020B0604020202020204" pitchFamily="34" charset="0"/>
+              <a:buChar char="•"/>
+            </a:pPr>
+            <a:r>
+              <a:rPr lang="nl-BE" dirty="0" err="1"/>
+              <a:t>Loss</a:t>
+            </a:r>
+            <a:r>
+              <a:rPr lang="nl-BE" dirty="0"/>
+              <a:t>: 6</a:t>
+            </a:r>
+          </a:p>
+          <a:p>
+            <a:pPr marL="673200" lvl="1" indent="-457200">
+              <a:buFont typeface="Arial" panose="020B0604020202020204" pitchFamily="34" charset="0"/>
+              <a:buChar char="•"/>
+            </a:pPr>
+            <a:r>
+              <a:rPr lang="nl-BE" dirty="0"/>
+              <a:t>Draw:8</a:t>
+            </a:r>
+          </a:p>
+          <a:p>
+            <a:endParaRPr lang="nl-BE" dirty="0"/>
+          </a:p>
+        </p:txBody>
+      </p:sp>
+      <p:sp>
+        <p:nvSpPr>
+          <p:cNvPr id="4" name="Tijdelijke aanduiding voor dianummer 3">
+            <a:extLst>
+              <a:ext uri="{FF2B5EF4-FFF2-40B4-BE49-F238E27FC236}">
+                <a16:creationId xmlns:a16="http://schemas.microsoft.com/office/drawing/2014/main" id="{259AB88D-2600-492E-9A35-35A2E9C91185}"/>
+              </a:ext>
+            </a:extLst>
+          </p:cNvPr>
+          <p:cNvSpPr>
+            <a:spLocks noGrp="1"/>
+          </p:cNvSpPr>
+          <p:nvPr>
+            <p:ph type="sldNum" sz="quarter" idx="12"/>
+          </p:nvPr>
+        </p:nvSpPr>
+        <p:spPr/>
+        <p:txBody>
+          <a:bodyPr/>
+          <a:lstStyle/>
+          <a:p>
+            <a:fld id="{3B032377-C103-4EFE-98C1-80A6E5A7472A}" type="slidenum">
+              <a:rPr lang="nl-NL" smtClean="0"/>
+              <a:pPr/>
+              <a:t>15</a:t>
+            </a:fld>
+            <a:endParaRPr lang="nl-NL"/>
+          </a:p>
+        </p:txBody>
+      </p:sp>
+    </p:spTree>
+    <p:extLst>
+      <p:ext uri="{BB962C8B-B14F-4D97-AF65-F5344CB8AC3E}">
+        <p14:creationId xmlns:p14="http://schemas.microsoft.com/office/powerpoint/2010/main" val="994247251"/>
+      </p:ext>
+    </p:extLst>
+  </p:cSld>
+  <p:clrMapOvr>
+    <a:masterClrMapping/>
+  </p:clrMapOvr>
+</p:sld>
+</file>
+
+<file path=ppt/slides/slide16.xml><?xml version="1.0" encoding="utf-8"?>
+<p:sld xmlns:a="http://schemas.openxmlformats.org/drawingml/2006/main" xmlns:r="http://schemas.openxmlformats.org/officeDocument/2006/relationships" xmlns:p="http://schemas.openxmlformats.org/presentationml/2006/main">
+  <p:cSld>
+    <p:spTree>
+      <p:nvGrpSpPr>
+        <p:cNvPr id="1" name=""/>
+        <p:cNvGrpSpPr/>
+        <p:nvPr/>
+      </p:nvGrpSpPr>
+      <p:grpSpPr>
+        <a:xfrm>
+          <a:off x="0" y="0"/>
+          <a:ext cx="0" cy="0"/>
+          <a:chOff x="0" y="0"/>
+          <a:chExt cx="0" cy="0"/>
+        </a:xfrm>
+      </p:grpSpPr>
+      <p:sp>
+        <p:nvSpPr>
+          <p:cNvPr id="2" name="Titel 1">
+            <a:extLst>
+              <a:ext uri="{FF2B5EF4-FFF2-40B4-BE49-F238E27FC236}">
+                <a16:creationId xmlns:a16="http://schemas.microsoft.com/office/drawing/2014/main" id="{A35C4877-0525-4239-8F09-0A8004767CD1}"/>
+              </a:ext>
+            </a:extLst>
+          </p:cNvPr>
+          <p:cNvSpPr>
+            <a:spLocks noGrp="1"/>
+          </p:cNvSpPr>
+          <p:nvPr>
+            <p:ph type="title"/>
+          </p:nvPr>
+        </p:nvSpPr>
+        <p:spPr/>
+        <p:txBody>
+          <a:bodyPr/>
+          <a:lstStyle/>
+          <a:p>
+            <a:r>
+              <a:rPr lang="nl-BE" dirty="0"/>
+              <a:t>Conclusie tests</a:t>
+            </a:r>
+          </a:p>
+        </p:txBody>
+      </p:sp>
+      <p:sp>
+        <p:nvSpPr>
+          <p:cNvPr id="3" name="Tijdelijke aanduiding voor inhoud 2">
+            <a:extLst>
+              <a:ext uri="{FF2B5EF4-FFF2-40B4-BE49-F238E27FC236}">
+                <a16:creationId xmlns:a16="http://schemas.microsoft.com/office/drawing/2014/main" id="{8877C235-CAFE-4613-9BE8-B5F4E847E17B}"/>
+              </a:ext>
+            </a:extLst>
+          </p:cNvPr>
+          <p:cNvSpPr>
+            <a:spLocks noGrp="1"/>
+          </p:cNvSpPr>
+          <p:nvPr>
+            <p:ph idx="1"/>
+          </p:nvPr>
+        </p:nvSpPr>
+        <p:spPr/>
+        <p:txBody>
+          <a:bodyPr/>
+          <a:lstStyle/>
+          <a:p>
+            <a:pPr marL="457200" indent="-457200">
+              <a:buFont typeface="Arial" panose="020B0604020202020204" pitchFamily="34" charset="0"/>
+              <a:buChar char="•"/>
+            </a:pPr>
+            <a:r>
+              <a:rPr lang="nl-BE" dirty="0" err="1"/>
+              <a:t>Stockfish</a:t>
+            </a:r>
+            <a:r>
+              <a:rPr lang="nl-BE" dirty="0"/>
+              <a:t> niet verslagen =&gt; gebaseerd op de random tests</a:t>
+            </a:r>
+          </a:p>
+          <a:p>
+            <a:pPr marL="457200" indent="-457200">
+              <a:buFont typeface="Arial" panose="020B0604020202020204" pitchFamily="34" charset="0"/>
+              <a:buChar char="•"/>
+            </a:pPr>
+            <a:r>
+              <a:rPr lang="nl-BE" dirty="0"/>
+              <a:t>Manuele </a:t>
+            </a:r>
+            <a:r>
+              <a:rPr lang="nl-BE" dirty="0" err="1"/>
+              <a:t>evaluation</a:t>
+            </a:r>
+            <a:r>
+              <a:rPr lang="nl-BE" dirty="0"/>
+              <a:t> is momenteel de beste</a:t>
+            </a:r>
+          </a:p>
+          <a:p>
+            <a:pPr marL="457200" indent="-457200">
+              <a:buFont typeface="Arial" panose="020B0604020202020204" pitchFamily="34" charset="0"/>
+              <a:buChar char="•"/>
+            </a:pPr>
+            <a:r>
+              <a:rPr lang="nl-BE" dirty="0"/>
+              <a:t>ML heeft meer data nodig</a:t>
+            </a:r>
+          </a:p>
+        </p:txBody>
+      </p:sp>
+      <p:sp>
+        <p:nvSpPr>
+          <p:cNvPr id="4" name="Tijdelijke aanduiding voor dianummer 3">
+            <a:extLst>
+              <a:ext uri="{FF2B5EF4-FFF2-40B4-BE49-F238E27FC236}">
+                <a16:creationId xmlns:a16="http://schemas.microsoft.com/office/drawing/2014/main" id="{54133B37-09B2-4E24-A554-0E06BC6C0148}"/>
+              </a:ext>
+            </a:extLst>
+          </p:cNvPr>
+          <p:cNvSpPr>
+            <a:spLocks noGrp="1"/>
+          </p:cNvSpPr>
+          <p:nvPr>
+            <p:ph type="sldNum" sz="quarter" idx="12"/>
+          </p:nvPr>
+        </p:nvSpPr>
+        <p:spPr/>
+        <p:txBody>
+          <a:bodyPr/>
+          <a:lstStyle/>
+          <a:p>
+            <a:fld id="{3B032377-C103-4EFE-98C1-80A6E5A7472A}" type="slidenum">
+              <a:rPr lang="nl-NL" smtClean="0"/>
+              <a:pPr/>
+              <a:t>16</a:t>
+            </a:fld>
+            <a:endParaRPr lang="nl-NL"/>
+          </a:p>
+        </p:txBody>
+      </p:sp>
+    </p:spTree>
+    <p:extLst>
+      <p:ext uri="{BB962C8B-B14F-4D97-AF65-F5344CB8AC3E}">
+        <p14:creationId xmlns:p14="http://schemas.microsoft.com/office/powerpoint/2010/main" val="4041026352"/>
       </p:ext>
     </p:extLst>
   </p:cSld>

--- a/PresentatieAI.pptx
+++ b/PresentatieAI.pptx
@@ -5808,6 +5808,58 @@
           </a:p>
         </p:txBody>
       </p:sp>
+      <p:sp>
+        <p:nvSpPr>
+          <p:cNvPr id="5" name="Tekstvak 4">
+            <a:extLst>
+              <a:ext uri="{FF2B5EF4-FFF2-40B4-BE49-F238E27FC236}">
+                <a16:creationId xmlns:a16="http://schemas.microsoft.com/office/drawing/2014/main" id="{F8BFA1C2-709C-4FBA-BC52-9568B4457E26}"/>
+              </a:ext>
+            </a:extLst>
+          </p:cNvPr>
+          <p:cNvSpPr txBox="1"/>
+          <p:nvPr/>
+        </p:nvSpPr>
+        <p:spPr>
+          <a:xfrm>
+            <a:off x="6444208" y="6493986"/>
+            <a:ext cx="1944216" cy="369332"/>
+          </a:xfrm>
+          <a:prstGeom prst="rect">
+            <a:avLst/>
+          </a:prstGeom>
+          <a:noFill/>
+        </p:spPr>
+        <p:txBody>
+          <a:bodyPr wrap="square" rtlCol="0">
+            <a:spAutoFit/>
+          </a:bodyPr>
+          <a:lstStyle/>
+          <a:p>
+            <a:r>
+              <a:rPr lang="en-GB" dirty="0">
+                <a:solidFill>
+                  <a:schemeClr val="bg1"/>
+                </a:solidFill>
+              </a:rPr>
+              <a:t>Arne </a:t>
+            </a:r>
+            <a:r>
+              <a:rPr lang="en-GB" dirty="0" err="1">
+                <a:solidFill>
+                  <a:schemeClr val="bg1"/>
+                </a:solidFill>
+              </a:rPr>
+              <a:t>Defays</a:t>
+            </a:r>
+            <a:endParaRPr lang="en-GB" dirty="0">
+              <a:solidFill>
+                <a:schemeClr val="bg1"/>
+              </a:solidFill>
+            </a:endParaRPr>
+          </a:p>
+        </p:txBody>
+      </p:sp>
     </p:spTree>
     <p:extLst>
       <p:ext uri="{BB962C8B-B14F-4D97-AF65-F5344CB8AC3E}">
@@ -6041,6 +6093,58 @@
           </a:p>
         </p:txBody>
       </p:sp>
+      <p:sp>
+        <p:nvSpPr>
+          <p:cNvPr id="5" name="Tekstvak 4">
+            <a:extLst>
+              <a:ext uri="{FF2B5EF4-FFF2-40B4-BE49-F238E27FC236}">
+                <a16:creationId xmlns:a16="http://schemas.microsoft.com/office/drawing/2014/main" id="{C63F1E45-A228-4D43-8775-7B506F35EFC8}"/>
+              </a:ext>
+            </a:extLst>
+          </p:cNvPr>
+          <p:cNvSpPr txBox="1"/>
+          <p:nvPr/>
+        </p:nvSpPr>
+        <p:spPr>
+          <a:xfrm>
+            <a:off x="6444208" y="6493986"/>
+            <a:ext cx="1944216" cy="369332"/>
+          </a:xfrm>
+          <a:prstGeom prst="rect">
+            <a:avLst/>
+          </a:prstGeom>
+          <a:noFill/>
+        </p:spPr>
+        <p:txBody>
+          <a:bodyPr wrap="square" rtlCol="0">
+            <a:spAutoFit/>
+          </a:bodyPr>
+          <a:lstStyle/>
+          <a:p>
+            <a:r>
+              <a:rPr lang="en-GB" dirty="0">
+                <a:solidFill>
+                  <a:schemeClr val="bg1"/>
+                </a:solidFill>
+              </a:rPr>
+              <a:t>Arne </a:t>
+            </a:r>
+            <a:r>
+              <a:rPr lang="en-GB" dirty="0" err="1">
+                <a:solidFill>
+                  <a:schemeClr val="bg1"/>
+                </a:solidFill>
+              </a:rPr>
+              <a:t>Defays</a:t>
+            </a:r>
+            <a:endParaRPr lang="en-GB" dirty="0">
+              <a:solidFill>
+                <a:schemeClr val="bg1"/>
+              </a:solidFill>
+            </a:endParaRPr>
+          </a:p>
+        </p:txBody>
+      </p:sp>
     </p:spTree>
     <p:extLst>
       <p:ext uri="{BB962C8B-B14F-4D97-AF65-F5344CB8AC3E}">
@@ -6279,6 +6383,58 @@
           </a:p>
         </p:txBody>
       </p:sp>
+      <p:sp>
+        <p:nvSpPr>
+          <p:cNvPr id="5" name="Tekstvak 4">
+            <a:extLst>
+              <a:ext uri="{FF2B5EF4-FFF2-40B4-BE49-F238E27FC236}">
+                <a16:creationId xmlns:a16="http://schemas.microsoft.com/office/drawing/2014/main" id="{859668D8-C535-49C9-9FF8-7B8D749CE501}"/>
+              </a:ext>
+            </a:extLst>
+          </p:cNvPr>
+          <p:cNvSpPr txBox="1"/>
+          <p:nvPr/>
+        </p:nvSpPr>
+        <p:spPr>
+          <a:xfrm>
+            <a:off x="6444208" y="6493986"/>
+            <a:ext cx="1944216" cy="369332"/>
+          </a:xfrm>
+          <a:prstGeom prst="rect">
+            <a:avLst/>
+          </a:prstGeom>
+          <a:noFill/>
+        </p:spPr>
+        <p:txBody>
+          <a:bodyPr wrap="square" rtlCol="0">
+            <a:spAutoFit/>
+          </a:bodyPr>
+          <a:lstStyle/>
+          <a:p>
+            <a:r>
+              <a:rPr lang="en-GB" dirty="0">
+                <a:solidFill>
+                  <a:schemeClr val="bg1"/>
+                </a:solidFill>
+              </a:rPr>
+              <a:t>Arne </a:t>
+            </a:r>
+            <a:r>
+              <a:rPr lang="en-GB" dirty="0" err="1">
+                <a:solidFill>
+                  <a:schemeClr val="bg1"/>
+                </a:solidFill>
+              </a:rPr>
+              <a:t>Defays</a:t>
+            </a:r>
+            <a:endParaRPr lang="en-GB" dirty="0">
+              <a:solidFill>
+                <a:schemeClr val="bg1"/>
+              </a:solidFill>
+            </a:endParaRPr>
+          </a:p>
+        </p:txBody>
+      </p:sp>
     </p:spTree>
     <p:extLst>
       <p:ext uri="{BB962C8B-B14F-4D97-AF65-F5344CB8AC3E}">
@@ -6497,6 +6653,58 @@
           </a:p>
         </p:txBody>
       </p:sp>
+      <p:sp>
+        <p:nvSpPr>
+          <p:cNvPr id="5" name="Tekstvak 4">
+            <a:extLst>
+              <a:ext uri="{FF2B5EF4-FFF2-40B4-BE49-F238E27FC236}">
+                <a16:creationId xmlns:a16="http://schemas.microsoft.com/office/drawing/2014/main" id="{FECE30EE-8636-435F-B766-F1B8DF70BFC6}"/>
+              </a:ext>
+            </a:extLst>
+          </p:cNvPr>
+          <p:cNvSpPr txBox="1"/>
+          <p:nvPr/>
+        </p:nvSpPr>
+        <p:spPr>
+          <a:xfrm>
+            <a:off x="6444208" y="6493986"/>
+            <a:ext cx="1944216" cy="369332"/>
+          </a:xfrm>
+          <a:prstGeom prst="rect">
+            <a:avLst/>
+          </a:prstGeom>
+          <a:noFill/>
+        </p:spPr>
+        <p:txBody>
+          <a:bodyPr wrap="square" rtlCol="0">
+            <a:spAutoFit/>
+          </a:bodyPr>
+          <a:lstStyle/>
+          <a:p>
+            <a:r>
+              <a:rPr lang="en-GB" dirty="0">
+                <a:solidFill>
+                  <a:schemeClr val="bg1"/>
+                </a:solidFill>
+              </a:rPr>
+              <a:t>Arne </a:t>
+            </a:r>
+            <a:r>
+              <a:rPr lang="en-GB" dirty="0" err="1">
+                <a:solidFill>
+                  <a:schemeClr val="bg1"/>
+                </a:solidFill>
+              </a:rPr>
+              <a:t>Defays</a:t>
+            </a:r>
+            <a:endParaRPr lang="en-GB" dirty="0">
+              <a:solidFill>
+                <a:schemeClr val="bg1"/>
+              </a:solidFill>
+            </a:endParaRPr>
+          </a:p>
+        </p:txBody>
+      </p:sp>
     </p:spTree>
     <p:extLst>
       <p:ext uri="{BB962C8B-B14F-4D97-AF65-F5344CB8AC3E}">
@@ -6646,6 +6854,58 @@
               <a:t>16</a:t>
             </a:fld>
             <a:endParaRPr lang="nl-NL"/>
+          </a:p>
+        </p:txBody>
+      </p:sp>
+      <p:sp>
+        <p:nvSpPr>
+          <p:cNvPr id="5" name="Tekstvak 4">
+            <a:extLst>
+              <a:ext uri="{FF2B5EF4-FFF2-40B4-BE49-F238E27FC236}">
+                <a16:creationId xmlns:a16="http://schemas.microsoft.com/office/drawing/2014/main" id="{9B172EB7-FB08-4CAE-AC00-588D8A69348B}"/>
+              </a:ext>
+            </a:extLst>
+          </p:cNvPr>
+          <p:cNvSpPr txBox="1"/>
+          <p:nvPr/>
+        </p:nvSpPr>
+        <p:spPr>
+          <a:xfrm>
+            <a:off x="6444208" y="6493986"/>
+            <a:ext cx="1944216" cy="369332"/>
+          </a:xfrm>
+          <a:prstGeom prst="rect">
+            <a:avLst/>
+          </a:prstGeom>
+          <a:noFill/>
+        </p:spPr>
+        <p:txBody>
+          <a:bodyPr wrap="square" rtlCol="0">
+            <a:spAutoFit/>
+          </a:bodyPr>
+          <a:lstStyle/>
+          <a:p>
+            <a:r>
+              <a:rPr lang="en-GB" dirty="0">
+                <a:solidFill>
+                  <a:schemeClr val="bg1"/>
+                </a:solidFill>
+              </a:rPr>
+              <a:t>Arne </a:t>
+            </a:r>
+            <a:r>
+              <a:rPr lang="en-GB" dirty="0" err="1">
+                <a:solidFill>
+                  <a:schemeClr val="bg1"/>
+                </a:solidFill>
+              </a:rPr>
+              <a:t>Defays</a:t>
+            </a:r>
+            <a:endParaRPr lang="en-GB" dirty="0">
+              <a:solidFill>
+                <a:schemeClr val="bg1"/>
+              </a:solidFill>
+            </a:endParaRPr>
           </a:p>
         </p:txBody>
       </p:sp>

--- a/PresentatieAI.pptx
+++ b/PresentatieAI.pptx
@@ -5977,12 +5977,8 @@
               <a:buChar char="•"/>
             </a:pPr>
             <a:r>
-              <a:rPr lang="nl-BE" dirty="0" err="1"/>
-              <a:t>Loss</a:t>
-            </a:r>
-            <a:r>
-              <a:rPr lang="nl-BE" dirty="0"/>
-              <a:t>: 1</a:t>
+              <a:rPr lang="nl-BE" dirty="0"/>
+              <a:t>Draw: 0</a:t>
             </a:r>
           </a:p>
           <a:p>
@@ -5991,8 +5987,12 @@
               <a:buChar char="•"/>
             </a:pPr>
             <a:r>
-              <a:rPr lang="nl-BE" dirty="0"/>
-              <a:t>Draw: 0</a:t>
+              <a:rPr lang="nl-BE" dirty="0" err="1"/>
+              <a:t>Loss</a:t>
+            </a:r>
+            <a:r>
+              <a:rPr lang="nl-BE" dirty="0"/>
+              <a:t>: 1</a:t>
             </a:r>
           </a:p>
           <a:p>
@@ -6030,12 +6030,8 @@
               <a:buChar char="•"/>
             </a:pPr>
             <a:r>
-              <a:rPr lang="nl-BE" dirty="0" err="1"/>
-              <a:t>Loss</a:t>
-            </a:r>
-            <a:r>
-              <a:rPr lang="nl-BE" dirty="0"/>
-              <a:t>: 3</a:t>
+              <a:rPr lang="nl-BE" dirty="0"/>
+              <a:t>Draw: 1</a:t>
             </a:r>
           </a:p>
           <a:p>
@@ -6044,8 +6040,12 @@
               <a:buChar char="•"/>
             </a:pPr>
             <a:r>
-              <a:rPr lang="nl-BE" dirty="0"/>
-              <a:t>Draw:1</a:t>
+              <a:rPr lang="nl-BE" dirty="0" err="1"/>
+              <a:t>Loss</a:t>
+            </a:r>
+            <a:r>
+              <a:rPr lang="nl-BE" dirty="0"/>
+              <a:t>: 3</a:t>
             </a:r>
           </a:p>
           <a:p>
@@ -6273,12 +6273,8 @@
               <a:buChar char="•"/>
             </a:pPr>
             <a:r>
-              <a:rPr lang="nl-BE" dirty="0" err="1"/>
-              <a:t>Loss</a:t>
-            </a:r>
-            <a:r>
-              <a:rPr lang="nl-BE" dirty="0"/>
-              <a:t>: 0</a:t>
+              <a:rPr lang="nl-BE" dirty="0"/>
+              <a:t>Draw: 5</a:t>
             </a:r>
           </a:p>
           <a:p>
@@ -6287,8 +6283,12 @@
               <a:buChar char="•"/>
             </a:pPr>
             <a:r>
-              <a:rPr lang="nl-BE" dirty="0"/>
-              <a:t>Draw: 5</a:t>
+              <a:rPr lang="nl-BE" dirty="0" err="1"/>
+              <a:t>Loss</a:t>
+            </a:r>
+            <a:r>
+              <a:rPr lang="nl-BE" dirty="0"/>
+              <a:t>: 0</a:t>
             </a:r>
           </a:p>
           <a:p>
@@ -6326,12 +6326,8 @@
               <a:buChar char="•"/>
             </a:pPr>
             <a:r>
-              <a:rPr lang="nl-BE" dirty="0" err="1"/>
-              <a:t>Loss</a:t>
-            </a:r>
-            <a:r>
-              <a:rPr lang="nl-BE" dirty="0"/>
-              <a:t>: 4</a:t>
+              <a:rPr lang="nl-BE" dirty="0"/>
+              <a:t>Draw: 2</a:t>
             </a:r>
           </a:p>
           <a:p>
@@ -6340,16 +6336,13 @@
               <a:buChar char="•"/>
             </a:pPr>
             <a:r>
-              <a:rPr lang="nl-BE" dirty="0"/>
-              <a:t>Draw:2</a:t>
-            </a:r>
-          </a:p>
-          <a:p>
-            <a:pPr marL="457200" indent="-457200">
-              <a:buFont typeface="Arial" panose="020B0604020202020204" pitchFamily="34" charset="0"/>
-              <a:buChar char="•"/>
-            </a:pPr>
-            <a:endParaRPr lang="nl-BE" dirty="0"/>
+              <a:rPr lang="nl-BE" dirty="0" err="1"/>
+              <a:t>Loss</a:t>
+            </a:r>
+            <a:r>
+              <a:rPr lang="nl-BE" dirty="0"/>
+              <a:t>: 4</a:t>
+            </a:r>
           </a:p>
         </p:txBody>
       </p:sp>
@@ -6547,12 +6540,8 @@
               <a:buChar char="•"/>
             </a:pPr>
             <a:r>
-              <a:rPr lang="nl-BE" dirty="0" err="1"/>
-              <a:t>Loss</a:t>
-            </a:r>
-            <a:r>
-              <a:rPr lang="nl-BE" dirty="0"/>
-              <a:t>: 1</a:t>
+              <a:rPr lang="nl-BE" dirty="0"/>
+              <a:t>Draw: 3</a:t>
             </a:r>
           </a:p>
           <a:p>
@@ -6561,8 +6550,12 @@
               <a:buChar char="•"/>
             </a:pPr>
             <a:r>
-              <a:rPr lang="nl-BE" dirty="0"/>
-              <a:t>Draw: 3</a:t>
+              <a:rPr lang="nl-BE" dirty="0" err="1"/>
+              <a:t>Loss</a:t>
+            </a:r>
+            <a:r>
+              <a:rPr lang="nl-BE" dirty="0"/>
+              <a:t>: 1</a:t>
             </a:r>
           </a:p>
           <a:p>
@@ -6600,12 +6593,8 @@
               <a:buChar char="•"/>
             </a:pPr>
             <a:r>
-              <a:rPr lang="nl-BE" dirty="0" err="1"/>
-              <a:t>Loss</a:t>
-            </a:r>
-            <a:r>
-              <a:rPr lang="nl-BE" dirty="0"/>
-              <a:t>: 6</a:t>
+              <a:rPr lang="nl-BE" dirty="0"/>
+              <a:t>Draw: 8</a:t>
             </a:r>
           </a:p>
           <a:p>
@@ -6614,12 +6603,13 @@
               <a:buChar char="•"/>
             </a:pPr>
             <a:r>
-              <a:rPr lang="nl-BE" dirty="0"/>
-              <a:t>Draw:8</a:t>
-            </a:r>
-          </a:p>
-          <a:p>
-            <a:endParaRPr lang="nl-BE" dirty="0"/>
+              <a:rPr lang="nl-BE" dirty="0" err="1"/>
+              <a:t>Loss</a:t>
+            </a:r>
+            <a:r>
+              <a:rPr lang="nl-BE" dirty="0"/>
+              <a:t>: 6</a:t>
+            </a:r>
           </a:p>
         </p:txBody>
       </p:sp>

--- a/PresentatieAI.pptx
+++ b/PresentatieAI.pptx
@@ -5977,12 +5977,8 @@
               <a:buChar char="•"/>
             </a:pPr>
             <a:r>
-              <a:rPr lang="nl-BE" dirty="0" err="1"/>
-              <a:t>Loss</a:t>
-            </a:r>
-            <a:r>
-              <a:rPr lang="nl-BE" dirty="0"/>
-              <a:t>: 1</a:t>
+              <a:rPr lang="nl-BE" dirty="0"/>
+              <a:t>Draw: 0</a:t>
             </a:r>
           </a:p>
           <a:p>
@@ -5991,8 +5987,12 @@
               <a:buChar char="•"/>
             </a:pPr>
             <a:r>
-              <a:rPr lang="nl-BE" dirty="0"/>
-              <a:t>Draw: 0</a:t>
+              <a:rPr lang="nl-BE" dirty="0" err="1"/>
+              <a:t>Loss</a:t>
+            </a:r>
+            <a:r>
+              <a:rPr lang="nl-BE" dirty="0"/>
+              <a:t>: 1</a:t>
             </a:r>
           </a:p>
           <a:p>
@@ -6030,12 +6030,8 @@
               <a:buChar char="•"/>
             </a:pPr>
             <a:r>
-              <a:rPr lang="nl-BE" dirty="0" err="1"/>
-              <a:t>Loss</a:t>
-            </a:r>
-            <a:r>
-              <a:rPr lang="nl-BE" dirty="0"/>
-              <a:t>: 3</a:t>
+              <a:rPr lang="nl-BE" dirty="0"/>
+              <a:t>Draw:1</a:t>
             </a:r>
           </a:p>
           <a:p>
@@ -6044,8 +6040,12 @@
               <a:buChar char="•"/>
             </a:pPr>
             <a:r>
-              <a:rPr lang="nl-BE" dirty="0"/>
-              <a:t>Draw:1</a:t>
+              <a:rPr lang="nl-BE" dirty="0" err="1"/>
+              <a:t>Loss</a:t>
+            </a:r>
+            <a:r>
+              <a:rPr lang="nl-BE" dirty="0"/>
+              <a:t>: 3</a:t>
             </a:r>
           </a:p>
           <a:p>
@@ -6273,12 +6273,8 @@
               <a:buChar char="•"/>
             </a:pPr>
             <a:r>
-              <a:rPr lang="nl-BE" dirty="0" err="1"/>
-              <a:t>Loss</a:t>
-            </a:r>
-            <a:r>
-              <a:rPr lang="nl-BE" dirty="0"/>
-              <a:t>: 0</a:t>
+              <a:rPr lang="nl-BE" dirty="0"/>
+              <a:t>Draw: 5</a:t>
             </a:r>
           </a:p>
           <a:p>
@@ -6287,8 +6283,12 @@
               <a:buChar char="•"/>
             </a:pPr>
             <a:r>
-              <a:rPr lang="nl-BE" dirty="0"/>
-              <a:t>Draw: 5</a:t>
+              <a:rPr lang="nl-BE" dirty="0" err="1"/>
+              <a:t>Loss</a:t>
+            </a:r>
+            <a:r>
+              <a:rPr lang="nl-BE" dirty="0"/>
+              <a:t>: 0</a:t>
             </a:r>
           </a:p>
           <a:p>
@@ -6326,12 +6326,8 @@
               <a:buChar char="•"/>
             </a:pPr>
             <a:r>
-              <a:rPr lang="nl-BE" dirty="0" err="1"/>
-              <a:t>Loss</a:t>
-            </a:r>
-            <a:r>
-              <a:rPr lang="nl-BE" dirty="0"/>
-              <a:t>: 4</a:t>
+              <a:rPr lang="nl-BE" dirty="0"/>
+              <a:t>Draw:2</a:t>
             </a:r>
           </a:p>
           <a:p>
@@ -6340,8 +6336,12 @@
               <a:buChar char="•"/>
             </a:pPr>
             <a:r>
-              <a:rPr lang="nl-BE" dirty="0"/>
-              <a:t>Draw:2</a:t>
+              <a:rPr lang="nl-BE" dirty="0" err="1"/>
+              <a:t>Loss</a:t>
+            </a:r>
+            <a:r>
+              <a:rPr lang="nl-BE" dirty="0"/>
+              <a:t>: 4</a:t>
             </a:r>
           </a:p>
           <a:p>
@@ -6547,12 +6547,8 @@
               <a:buChar char="•"/>
             </a:pPr>
             <a:r>
-              <a:rPr lang="nl-BE" dirty="0" err="1"/>
-              <a:t>Loss</a:t>
-            </a:r>
-            <a:r>
-              <a:rPr lang="nl-BE" dirty="0"/>
-              <a:t>: 1</a:t>
+              <a:rPr lang="nl-BE" dirty="0"/>
+              <a:t>Draw: 3</a:t>
             </a:r>
           </a:p>
           <a:p>
@@ -6561,8 +6557,12 @@
               <a:buChar char="•"/>
             </a:pPr>
             <a:r>
-              <a:rPr lang="nl-BE" dirty="0"/>
-              <a:t>Draw: 3</a:t>
+              <a:rPr lang="nl-BE" dirty="0" err="1"/>
+              <a:t>Loss</a:t>
+            </a:r>
+            <a:r>
+              <a:rPr lang="nl-BE" dirty="0"/>
+              <a:t>: 1</a:t>
             </a:r>
           </a:p>
           <a:p>
@@ -6600,12 +6600,8 @@
               <a:buChar char="•"/>
             </a:pPr>
             <a:r>
-              <a:rPr lang="nl-BE" dirty="0" err="1"/>
-              <a:t>Loss</a:t>
-            </a:r>
-            <a:r>
-              <a:rPr lang="nl-BE" dirty="0"/>
-              <a:t>: 6</a:t>
+              <a:rPr lang="nl-BE" dirty="0"/>
+              <a:t>Draw:8</a:t>
             </a:r>
           </a:p>
           <a:p>
@@ -6614,8 +6610,12 @@
               <a:buChar char="•"/>
             </a:pPr>
             <a:r>
-              <a:rPr lang="nl-BE" dirty="0"/>
-              <a:t>Draw:8</a:t>
+              <a:rPr lang="nl-BE" dirty="0" err="1"/>
+              <a:t>Loss</a:t>
+            </a:r>
+            <a:r>
+              <a:rPr lang="nl-BE" dirty="0"/>
+              <a:t>: 6</a:t>
             </a:r>
           </a:p>
           <a:p>

--- a/PresentatieAI.pptx
+++ b/PresentatieAI.pptx
@@ -4872,12 +4872,22 @@
         </p:nvSpPr>
         <p:spPr/>
         <p:txBody>
-          <a:bodyPr/>
+          <a:bodyPr>
+            <a:normAutofit/>
+          </a:bodyPr>
           <a:lstStyle/>
           <a:p>
             <a:r>
               <a:rPr lang="nl-BE" dirty="0"/>
-              <a:t>Evaluation: Machine Learning data</a:t>
+              <a:t>Evaluation </a:t>
+            </a:r>
+            <a:r>
+              <a:rPr lang="nl-BE" dirty="0" err="1"/>
+              <a:t>Function</a:t>
+            </a:r>
+            <a:r>
+              <a:rPr lang="nl-BE" dirty="0"/>
+              <a:t>: ML data</a:t>
             </a:r>
           </a:p>
         </p:txBody>
@@ -5164,12 +5174,22 @@
         </p:nvSpPr>
         <p:spPr/>
         <p:txBody>
-          <a:bodyPr/>
+          <a:bodyPr>
+            <a:normAutofit/>
+          </a:bodyPr>
           <a:lstStyle/>
           <a:p>
             <a:r>
               <a:rPr lang="nl-BE" dirty="0"/>
-              <a:t>Evaluation: </a:t>
+              <a:t>Evaluation </a:t>
+            </a:r>
+            <a:r>
+              <a:rPr lang="nl-BE" dirty="0" err="1"/>
+              <a:t>Function</a:t>
+            </a:r>
+            <a:r>
+              <a:rPr lang="nl-BE" dirty="0"/>
+              <a:t>: </a:t>
             </a:r>
             <a:r>
               <a:rPr lang="nl-BE" dirty="0" err="1"/>
@@ -5177,15 +5197,7 @@
             </a:r>
             <a:r>
               <a:rPr lang="nl-BE" dirty="0"/>
-              <a:t> </a:t>
-            </a:r>
-            <a:r>
-              <a:rPr lang="nl-BE" dirty="0" err="1"/>
-              <a:t>Neural</a:t>
-            </a:r>
-            <a:r>
-              <a:rPr lang="nl-BE" dirty="0"/>
-              <a:t> Network</a:t>
+              <a:t> NN</a:t>
             </a:r>
           </a:p>
         </p:txBody>
@@ -8348,7 +8360,7 @@
           <a:p>
             <a:r>
               <a:rPr lang="en-GB" dirty="0"/>
-              <a:t>Evaluation Function</a:t>
+              <a:t>Evaluation Function: Manual</a:t>
             </a:r>
           </a:p>
         </p:txBody>
@@ -8552,7 +8564,23 @@
           <a:p>
             <a:r>
               <a:rPr lang="nl-BE" dirty="0"/>
-              <a:t>Evaluation: Machine Learning</a:t>
+              <a:t>Evaluation </a:t>
+            </a:r>
+            <a:r>
+              <a:rPr lang="nl-BE" dirty="0" err="1"/>
+              <a:t>Function</a:t>
+            </a:r>
+            <a:r>
+              <a:rPr lang="nl-BE" dirty="0"/>
+              <a:t>: </a:t>
+            </a:r>
+            <a:r>
+              <a:rPr lang="nl-BE" dirty="0" err="1"/>
+              <a:t>Neural</a:t>
+            </a:r>
+            <a:r>
+              <a:rPr lang="nl-BE" dirty="0"/>
+              <a:t> Network</a:t>
             </a:r>
           </a:p>
         </p:txBody>

--- a/PresentatieAI.pptx
+++ b/PresentatieAI.pptx
@@ -266,7 +266,7 @@
             <a:fld id="{78C30D92-9D29-4B80-B01C-A254EB54E9B4}" type="datetimeFigureOut">
               <a:rPr lang="nl-BE" smtClean="0"/>
               <a:pPr/>
-              <a:t>6/01/2020</a:t>
+              <a:t>7/01/2020</a:t>
             </a:fld>
             <a:endParaRPr lang="nl-BE"/>
           </a:p>
@@ -433,7 +433,7 @@
             <a:fld id="{09E7BB96-5CC4-4FBA-B6DA-4C0FA69C8B55}" type="datetimeFigureOut">
               <a:rPr lang="nl-NL" smtClean="0"/>
               <a:pPr/>
-              <a:t>6-1-2020</a:t>
+              <a:t>7-1-2020</a:t>
             </a:fld>
             <a:endParaRPr lang="nl-NL"/>
           </a:p>
@@ -1066,7 +1066,7 @@
             <a:fld id="{8FF760A7-6202-4C5B-B798-73425609F823}" type="datetime1">
               <a:rPr lang="nl-NL" smtClean="0"/>
               <a:pPr/>
-              <a:t>6-1-2020</a:t>
+              <a:t>7-1-2020</a:t>
             </a:fld>
             <a:endParaRPr lang="nl-NL"/>
           </a:p>
@@ -1281,7 +1281,7 @@
             <a:fld id="{8FF760A7-6202-4C5B-B798-73425609F823}" type="datetime1">
               <a:rPr lang="nl-NL" smtClean="0"/>
               <a:pPr/>
-              <a:t>6-1-2020</a:t>
+              <a:t>7-1-2020</a:t>
             </a:fld>
             <a:endParaRPr lang="nl-NL"/>
           </a:p>
@@ -1734,7 +1734,7 @@
             <a:fld id="{8FF760A7-6202-4C5B-B798-73425609F823}" type="datetime1">
               <a:rPr lang="nl-NL" smtClean="0"/>
               <a:pPr/>
-              <a:t>6-1-2020</a:t>
+              <a:t>7-1-2020</a:t>
             </a:fld>
             <a:endParaRPr lang="nl-NL"/>
           </a:p>
@@ -2561,7 +2561,7 @@
             <a:fld id="{F1646035-8169-445B-99AD-38F647E173A8}" type="datetime1">
               <a:rPr lang="nl-NL" smtClean="0"/>
               <a:pPr/>
-              <a:t>6-1-2020</a:t>
+              <a:t>7-1-2020</a:t>
             </a:fld>
             <a:endParaRPr lang="nl-NL"/>
           </a:p>
@@ -2782,7 +2782,7 @@
             <a:fld id="{3700EDBC-F276-4708-BB2C-8BF9B9604881}" type="datetime1">
               <a:rPr lang="nl-NL" smtClean="0"/>
               <a:pPr/>
-              <a:t>6-1-2020</a:t>
+              <a:t>7-1-2020</a:t>
             </a:fld>
             <a:endParaRPr lang="nl-NL" dirty="0"/>
           </a:p>
@@ -3102,7 +3102,7 @@
             <a:fld id="{3EDC4772-17F8-4E3A-83E4-CBDF682CE967}" type="datetime1">
               <a:rPr lang="nl-NL" smtClean="0"/>
               <a:pPr/>
-              <a:t>6-1-2020</a:t>
+              <a:t>7-1-2020</a:t>
             </a:fld>
             <a:endParaRPr lang="nl-NL"/>
           </a:p>
@@ -3570,7 +3570,7 @@
             <a:fld id="{F898F2F8-F7C6-4601-B5D1-4C666ED97577}" type="datetime1">
               <a:rPr lang="nl-NL" smtClean="0"/>
               <a:pPr/>
-              <a:t>6-1-2020</a:t>
+              <a:t>7-1-2020</a:t>
             </a:fld>
             <a:endParaRPr lang="nl-NL"/>
           </a:p>
@@ -3722,7 +3722,7 @@
             <a:fld id="{809AF28B-E245-4898-8A0D-E2E4E58A61F0}" type="datetime1">
               <a:rPr lang="nl-NL" smtClean="0"/>
               <a:pPr/>
-              <a:t>6-1-2020</a:t>
+              <a:t>7-1-2020</a:t>
             </a:fld>
             <a:endParaRPr lang="nl-NL"/>
           </a:p>
@@ -3852,7 +3852,7 @@
             <a:fld id="{0ED09C64-F411-4FDC-96AD-EC98B445DDC5}" type="datetime1">
               <a:rPr lang="nl-NL" smtClean="0"/>
               <a:pPr/>
-              <a:t>6-1-2020</a:t>
+              <a:t>7-1-2020</a:t>
             </a:fld>
             <a:endParaRPr lang="nl-NL"/>
           </a:p>
@@ -4086,7 +4086,7 @@
             <a:fld id="{B71E2D7C-B77E-48FB-B6F1-3640447F226A}" type="datetime1">
               <a:rPr lang="nl-NL" smtClean="0"/>
               <a:pPr/>
-              <a:t>6-1-2020</a:t>
+              <a:t>7-1-2020</a:t>
             </a:fld>
             <a:endParaRPr lang="nl-NL"/>
           </a:p>
@@ -4332,7 +4332,7 @@
             <a:fld id="{D4F06C36-30E3-4EC4-970C-BDB2513E3A51}" type="datetime1">
               <a:rPr lang="nl-NL" smtClean="0"/>
               <a:pPr/>
-              <a:t>6-1-2020</a:t>
+              <a:t>7-1-2020</a:t>
             </a:fld>
             <a:endParaRPr lang="nl-NL" dirty="0"/>
           </a:p>
@@ -8618,7 +8618,7 @@
             </a:r>
             <a:r>
               <a:rPr lang="nl-BE" dirty="0"/>
-              <a:t>: waarde van board ‘voorspellen’</a:t>
+              <a:t>: waarde van board voorspellen</a:t>
             </a:r>
           </a:p>
           <a:p>
